--- a/mylearnings/mylecturenotes/ML4AM_Ch4_OptimalClustering.pptx
+++ b/mylearnings/mylecturenotes/ML4AM_Ch4_OptimalClustering.pptx
@@ -12,13 +12,13 @@
     <p:sldId id="257" r:id="rId3"/>
     <p:sldId id="266" r:id="rId4"/>
     <p:sldId id="259" r:id="rId5"/>
-    <p:sldId id="260" r:id="rId6"/>
-    <p:sldId id="261" r:id="rId7"/>
-    <p:sldId id="265" r:id="rId8"/>
-    <p:sldId id="262" r:id="rId9"/>
-    <p:sldId id="263" r:id="rId10"/>
-    <p:sldId id="264" r:id="rId11"/>
-    <p:sldId id="268" r:id="rId12"/>
+    <p:sldId id="271" r:id="rId6"/>
+    <p:sldId id="260" r:id="rId7"/>
+    <p:sldId id="261" r:id="rId8"/>
+    <p:sldId id="265" r:id="rId9"/>
+    <p:sldId id="262" r:id="rId10"/>
+    <p:sldId id="263" r:id="rId11"/>
+    <p:sldId id="264" r:id="rId12"/>
     <p:sldId id="267" r:id="rId13"/>
     <p:sldId id="270" r:id="rId14"/>
     <p:sldId id="258" r:id="rId15"/>
@@ -3805,7 +3805,7 @@
           <p:cNvPr id="2" name="Title 1">
             <a:extLst>
               <a:ext uri="{FF2B5EF4-FFF2-40B4-BE49-F238E27FC236}">
-                <a16:creationId xmlns:a16="http://schemas.microsoft.com/office/drawing/2014/main" id="{CD2DFA2D-1757-27F5-F387-24B3B4D414B3}"/>
+                <a16:creationId xmlns:a16="http://schemas.microsoft.com/office/drawing/2014/main" id="{E8E89167-1A37-85DE-83C3-2D5D2FC041CA}"/>
               </a:ext>
             </a:extLst>
           </p:cNvPr>
@@ -3818,19 +3818,17 @@
         </p:nvSpPr>
         <p:spPr>
           <a:xfrm>
-            <a:off x="103910" y="0"/>
-            <a:ext cx="10515600" cy="521566"/>
+            <a:off x="339795" y="166255"/>
+            <a:ext cx="10515600" cy="1325563"/>
           </a:xfrm>
         </p:spPr>
         <p:txBody>
-          <a:bodyPr>
-            <a:normAutofit fontScale="90000"/>
-          </a:bodyPr>
+          <a:bodyPr/>
           <a:lstStyle/>
           <a:p>
             <a:r>
               <a:rPr lang="en-US" dirty="0"/>
-              <a:t>Higher-level clustering</a:t>
+              <a:t>Base clustering</a:t>
             </a:r>
           </a:p>
         </p:txBody>
@@ -3840,7 +3838,7 @@
           <p:cNvPr id="3" name="Content Placeholder 2">
             <a:extLst>
               <a:ext uri="{FF2B5EF4-FFF2-40B4-BE49-F238E27FC236}">
-                <a16:creationId xmlns:a16="http://schemas.microsoft.com/office/drawing/2014/main" id="{0BB353AE-C53F-9043-C6DE-0ED79A3606A9}"/>
+                <a16:creationId xmlns:a16="http://schemas.microsoft.com/office/drawing/2014/main" id="{74954AE2-2297-5BFA-D5A2-F8742F5655AF}"/>
               </a:ext>
             </a:extLst>
           </p:cNvPr>
@@ -3865,7 +3863,7 @@
           <p:cNvPr id="5" name="Picture 4">
             <a:extLst>
               <a:ext uri="{FF2B5EF4-FFF2-40B4-BE49-F238E27FC236}">
-                <a16:creationId xmlns:a16="http://schemas.microsoft.com/office/drawing/2014/main" id="{0EA9BEBF-65C6-E338-FBF6-4805B5AE0CDF}"/>
+                <a16:creationId xmlns:a16="http://schemas.microsoft.com/office/drawing/2014/main" id="{D20085D8-23B5-9F02-EF16-5545F475DA37}"/>
               </a:ext>
             </a:extLst>
           </p:cNvPr>
@@ -3882,8 +3880,8 @@
         </p:blipFill>
         <p:spPr>
           <a:xfrm>
-            <a:off x="220208" y="681037"/>
-            <a:ext cx="4307964" cy="6054436"/>
+            <a:off x="339795" y="1781175"/>
+            <a:ext cx="5867400" cy="4711700"/>
           </a:xfrm>
           <a:prstGeom prst="rect">
             <a:avLst/>
@@ -3895,7 +3893,7 @@
           <p:cNvPr id="6" name="Picture 5">
             <a:extLst>
               <a:ext uri="{FF2B5EF4-FFF2-40B4-BE49-F238E27FC236}">
-                <a16:creationId xmlns:a16="http://schemas.microsoft.com/office/drawing/2014/main" id="{BEB72CB8-96E4-D37B-E7C3-45DF82EBDEB4}"/>
+                <a16:creationId xmlns:a16="http://schemas.microsoft.com/office/drawing/2014/main" id="{0C48EDAD-08B2-539D-AE39-B0FA3BA40C12}"/>
               </a:ext>
             </a:extLst>
           </p:cNvPr>
@@ -3912,8 +3910,8 @@
         </p:blipFill>
         <p:spPr>
           <a:xfrm>
-            <a:off x="6989944" y="0"/>
-            <a:ext cx="4141857" cy="6858000"/>
+            <a:off x="6895536" y="387927"/>
+            <a:ext cx="5095215" cy="6303818"/>
           </a:xfrm>
           <a:prstGeom prst="rect">
             <a:avLst/>
@@ -3925,7 +3923,7 @@
           <p:cNvPr id="7" name="Slide Number Placeholder 6">
             <a:extLst>
               <a:ext uri="{FF2B5EF4-FFF2-40B4-BE49-F238E27FC236}">
-                <a16:creationId xmlns:a16="http://schemas.microsoft.com/office/drawing/2014/main" id="{24D84809-8258-234E-A2E5-23D2A70FFDB8}"/>
+                <a16:creationId xmlns:a16="http://schemas.microsoft.com/office/drawing/2014/main" id="{E485035C-9440-B0F1-2B49-2201E3E1EC77}"/>
               </a:ext>
             </a:extLst>
           </p:cNvPr>
@@ -3952,7 +3950,7 @@
     </p:spTree>
     <p:extLst>
       <p:ext uri="{BB962C8B-B14F-4D97-AF65-F5344CB8AC3E}">
-        <p14:creationId xmlns:p14="http://schemas.microsoft.com/office/powerpoint/2010/main" val="3383536619"/>
+        <p14:creationId xmlns:p14="http://schemas.microsoft.com/office/powerpoint/2010/main" val="1755441597"/>
       </p:ext>
     </p:extLst>
   </p:cSld>
@@ -3984,7 +3982,7 @@
           <p:cNvPr id="2" name="Title 1">
             <a:extLst>
               <a:ext uri="{FF2B5EF4-FFF2-40B4-BE49-F238E27FC236}">
-                <a16:creationId xmlns:a16="http://schemas.microsoft.com/office/drawing/2014/main" id="{BCFB9DCB-0CC2-A1B8-1AC2-1236F6610E9E}"/>
+                <a16:creationId xmlns:a16="http://schemas.microsoft.com/office/drawing/2014/main" id="{CD2DFA2D-1757-27F5-F387-24B3B4D414B3}"/>
               </a:ext>
             </a:extLst>
           </p:cNvPr>
@@ -3995,6 +3993,41 @@
             <p:ph type="title"/>
           </p:nvPr>
         </p:nvSpPr>
+        <p:spPr>
+          <a:xfrm>
+            <a:off x="103910" y="0"/>
+            <a:ext cx="10515600" cy="521566"/>
+          </a:xfrm>
+        </p:spPr>
+        <p:txBody>
+          <a:bodyPr>
+            <a:normAutofit fontScale="90000"/>
+          </a:bodyPr>
+          <a:lstStyle/>
+          <a:p>
+            <a:r>
+              <a:rPr lang="en-US" dirty="0"/>
+              <a:t>Higher-level clustering</a:t>
+            </a:r>
+          </a:p>
+        </p:txBody>
+      </p:sp>
+      <p:sp>
+        <p:nvSpPr>
+          <p:cNvPr id="3" name="Content Placeholder 2">
+            <a:extLst>
+              <a:ext uri="{FF2B5EF4-FFF2-40B4-BE49-F238E27FC236}">
+                <a16:creationId xmlns:a16="http://schemas.microsoft.com/office/drawing/2014/main" id="{0BB353AE-C53F-9043-C6DE-0ED79A3606A9}"/>
+              </a:ext>
+            </a:extLst>
+          </p:cNvPr>
+          <p:cNvSpPr>
+            <a:spLocks noGrp="1"/>
+          </p:cNvSpPr>
+          <p:nvPr>
+            <p:ph idx="1"/>
+          </p:nvPr>
+        </p:nvSpPr>
         <p:spPr/>
         <p:txBody>
           <a:bodyPr/>
@@ -4004,37 +4037,72 @@
           </a:p>
         </p:txBody>
       </p:sp>
-      <p:sp>
-        <p:nvSpPr>
-          <p:cNvPr id="3" name="Content Placeholder 2">
-            <a:extLst>
-              <a:ext uri="{FF2B5EF4-FFF2-40B4-BE49-F238E27FC236}">
-                <a16:creationId xmlns:a16="http://schemas.microsoft.com/office/drawing/2014/main" id="{4D246C37-A1F9-961D-1D41-A550491D63B3}"/>
-              </a:ext>
-            </a:extLst>
-          </p:cNvPr>
-          <p:cNvSpPr>
-            <a:spLocks noGrp="1"/>
-          </p:cNvSpPr>
-          <p:nvPr>
-            <p:ph idx="1"/>
-          </p:nvPr>
-        </p:nvSpPr>
-        <p:spPr/>
-        <p:txBody>
-          <a:bodyPr/>
-          <a:lstStyle/>
-          <a:p>
-            <a:endParaRPr lang="en-US"/>
-          </a:p>
-        </p:txBody>
-      </p:sp>
-      <p:sp>
-        <p:nvSpPr>
-          <p:cNvPr id="4" name="Slide Number Placeholder 3">
-            <a:extLst>
-              <a:ext uri="{FF2B5EF4-FFF2-40B4-BE49-F238E27FC236}">
-                <a16:creationId xmlns:a16="http://schemas.microsoft.com/office/drawing/2014/main" id="{A0B48D87-E2DA-FEFF-2936-7BC4E95F1620}"/>
+      <p:pic>
+        <p:nvPicPr>
+          <p:cNvPr id="5" name="Picture 4">
+            <a:extLst>
+              <a:ext uri="{FF2B5EF4-FFF2-40B4-BE49-F238E27FC236}">
+                <a16:creationId xmlns:a16="http://schemas.microsoft.com/office/drawing/2014/main" id="{0EA9BEBF-65C6-E338-FBF6-4805B5AE0CDF}"/>
+              </a:ext>
+            </a:extLst>
+          </p:cNvPr>
+          <p:cNvPicPr>
+            <a:picLocks noChangeAspect="1"/>
+          </p:cNvPicPr>
+          <p:nvPr/>
+        </p:nvPicPr>
+        <p:blipFill>
+          <a:blip r:embed="rId2"/>
+          <a:stretch>
+            <a:fillRect/>
+          </a:stretch>
+        </p:blipFill>
+        <p:spPr>
+          <a:xfrm>
+            <a:off x="220208" y="681037"/>
+            <a:ext cx="4307964" cy="6054436"/>
+          </a:xfrm>
+          <a:prstGeom prst="rect">
+            <a:avLst/>
+          </a:prstGeom>
+        </p:spPr>
+      </p:pic>
+      <p:pic>
+        <p:nvPicPr>
+          <p:cNvPr id="6" name="Picture 5">
+            <a:extLst>
+              <a:ext uri="{FF2B5EF4-FFF2-40B4-BE49-F238E27FC236}">
+                <a16:creationId xmlns:a16="http://schemas.microsoft.com/office/drawing/2014/main" id="{BEB72CB8-96E4-D37B-E7C3-45DF82EBDEB4}"/>
+              </a:ext>
+            </a:extLst>
+          </p:cNvPr>
+          <p:cNvPicPr>
+            <a:picLocks noChangeAspect="1"/>
+          </p:cNvPicPr>
+          <p:nvPr/>
+        </p:nvPicPr>
+        <p:blipFill>
+          <a:blip r:embed="rId3"/>
+          <a:stretch>
+            <a:fillRect/>
+          </a:stretch>
+        </p:blipFill>
+        <p:spPr>
+          <a:xfrm>
+            <a:off x="6989944" y="0"/>
+            <a:ext cx="4141857" cy="6858000"/>
+          </a:xfrm>
+          <a:prstGeom prst="rect">
+            <a:avLst/>
+          </a:prstGeom>
+        </p:spPr>
+      </p:pic>
+      <p:sp>
+        <p:nvSpPr>
+          <p:cNvPr id="7" name="Slide Number Placeholder 6">
+            <a:extLst>
+              <a:ext uri="{FF2B5EF4-FFF2-40B4-BE49-F238E27FC236}">
+                <a16:creationId xmlns:a16="http://schemas.microsoft.com/office/drawing/2014/main" id="{24D84809-8258-234E-A2E5-23D2A70FFDB8}"/>
               </a:ext>
             </a:extLst>
           </p:cNvPr>
@@ -4061,7 +4129,7 @@
     </p:spTree>
     <p:extLst>
       <p:ext uri="{BB962C8B-B14F-4D97-AF65-F5344CB8AC3E}">
-        <p14:creationId xmlns:p14="http://schemas.microsoft.com/office/powerpoint/2010/main" val="2539438638"/>
+        <p14:creationId xmlns:p14="http://schemas.microsoft.com/office/powerpoint/2010/main" val="3383536619"/>
       </p:ext>
     </p:extLst>
   </p:cSld>
@@ -4595,7 +4663,81 @@
           <a:bodyPr/>
           <a:lstStyle/>
           <a:p>
-            <a:endParaRPr lang="en-US"/>
+            <a:pPr marL="0" indent="0">
+              <a:buNone/>
+            </a:pPr>
+            <a:r>
+              <a:rPr lang="en-US" sz="1800" dirty="0">
+                <a:effectLst/>
+                <a:latin typeface="NimbusSanL"/>
+              </a:rPr>
+              <a:t>Geoffrey McLachlan and </a:t>
+            </a:r>
+            <a:r>
+              <a:rPr lang="en-US" sz="1800" dirty="0" err="1">
+                <a:effectLst/>
+                <a:latin typeface="NimbusSanL"/>
+              </a:rPr>
+              <a:t>Thriyambakam</a:t>
+            </a:r>
+            <a:r>
+              <a:rPr lang="en-US" sz="1800" dirty="0">
+                <a:effectLst/>
+                <a:latin typeface="NimbusSanL"/>
+              </a:rPr>
+              <a:t> Krishnan, </a:t>
+            </a:r>
+            <a:r>
+              <a:rPr lang="en-US" sz="1800" i="1" dirty="0">
+                <a:effectLst/>
+                <a:latin typeface="NimbusSanL"/>
+              </a:rPr>
+              <a:t>The EM Algorithm and Extensions</a:t>
+            </a:r>
+            <a:r>
+              <a:rPr lang="en-US" sz="1800" dirty="0">
+                <a:effectLst/>
+                <a:latin typeface="NimbusSanL"/>
+              </a:rPr>
+              <a:t>, 2008 </a:t>
+            </a:r>
+          </a:p>
+          <a:p>
+            <a:pPr marL="0" indent="0">
+              <a:buNone/>
+            </a:pPr>
+            <a:r>
+              <a:rPr lang="en-US" sz="1800" dirty="0">
+                <a:effectLst/>
+                <a:latin typeface="NimbusSanL"/>
+              </a:rPr>
+              <a:t>Geoffrey McLachlan and David Peel, </a:t>
+            </a:r>
+            <a:r>
+              <a:rPr lang="en-US" sz="1800" i="1" dirty="0">
+                <a:effectLst/>
+                <a:latin typeface="NimbusSanL"/>
+              </a:rPr>
+              <a:t>Finite Mixture Models</a:t>
+            </a:r>
+            <a:r>
+              <a:rPr lang="en-US" sz="1800" dirty="0">
+                <a:effectLst/>
+                <a:latin typeface="NimbusSanL"/>
+              </a:rPr>
+              <a:t>, 2000 </a:t>
+            </a:r>
+          </a:p>
+          <a:p>
+            <a:pPr marL="0" indent="0">
+              <a:buNone/>
+            </a:pPr>
+            <a:endParaRPr lang="en-US" dirty="0">
+              <a:effectLst/>
+            </a:endParaRPr>
+          </a:p>
+          <a:p>
+            <a:endParaRPr lang="en-US" dirty="0"/>
           </a:p>
         </p:txBody>
       </p:sp>
@@ -4856,7 +4998,64 @@
           <a:bodyPr/>
           <a:lstStyle/>
           <a:p>
-            <a:endParaRPr lang="en-US"/>
+            <a:r>
+              <a:rPr lang="en-US" dirty="0"/>
+              <a:t>Motivation</a:t>
+            </a:r>
+          </a:p>
+          <a:p>
+            <a:r>
+              <a:rPr lang="en-US" dirty="0"/>
+              <a:t>Taxonomy of clustering algorithms</a:t>
+            </a:r>
+          </a:p>
+          <a:p>
+            <a:r>
+              <a:rPr lang="en-US" dirty="0"/>
+              <a:t>K-means </a:t>
+            </a:r>
+          </a:p>
+          <a:p>
+            <a:pPr lvl="1"/>
+            <a:r>
+              <a:rPr lang="en-US" dirty="0"/>
+              <a:t>Algorithm</a:t>
+            </a:r>
+          </a:p>
+          <a:p>
+            <a:pPr lvl="1"/>
+            <a:r>
+              <a:rPr lang="en-US" dirty="0"/>
+              <a:t>Limitations</a:t>
+            </a:r>
+          </a:p>
+          <a:p>
+            <a:r>
+              <a:rPr lang="en-US" dirty="0"/>
+              <a:t>Elbow method</a:t>
+            </a:r>
+          </a:p>
+          <a:p>
+            <a:r>
+              <a:rPr lang="en-US" dirty="0" err="1"/>
+              <a:t>Slihouette</a:t>
+            </a:r>
+            <a:r>
+              <a:rPr lang="en-US" dirty="0"/>
+              <a:t> score</a:t>
+            </a:r>
+          </a:p>
+          <a:p>
+            <a:r>
+              <a:rPr lang="en-US" dirty="0"/>
+              <a:t>Base clustering: optimal number of clusters (ONC)</a:t>
+            </a:r>
+          </a:p>
+          <a:p>
+            <a:r>
+              <a:rPr lang="en-US" dirty="0"/>
+              <a:t>High level clustering: Pruned ONC</a:t>
+            </a:r>
           </a:p>
         </p:txBody>
       </p:sp>
@@ -5120,7 +5319,7 @@
           <a:bodyPr/>
           <a:lstStyle/>
           <a:p>
-            <a:endParaRPr lang="en-US"/>
+            <a:endParaRPr lang="en-US" dirty="0"/>
           </a:p>
         </p:txBody>
       </p:sp>
@@ -5150,6 +5349,74 @@
               <a:t>4</a:t>
             </a:fld>
             <a:endParaRPr lang="en-US"/>
+          </a:p>
+        </p:txBody>
+      </p:sp>
+      <p:pic>
+        <p:nvPicPr>
+          <p:cNvPr id="5" name="Picture 4">
+            <a:extLst>
+              <a:ext uri="{FF2B5EF4-FFF2-40B4-BE49-F238E27FC236}">
+                <a16:creationId xmlns:a16="http://schemas.microsoft.com/office/drawing/2014/main" id="{801C9DB2-D9CD-0906-0649-3C24ED4DEDA5}"/>
+              </a:ext>
+            </a:extLst>
+          </p:cNvPr>
+          <p:cNvPicPr>
+            <a:picLocks noChangeAspect="1"/>
+          </p:cNvPicPr>
+          <p:nvPr/>
+        </p:nvPicPr>
+        <p:blipFill>
+          <a:blip r:embed="rId2"/>
+          <a:stretch>
+            <a:fillRect/>
+          </a:stretch>
+        </p:blipFill>
+        <p:spPr>
+          <a:xfrm>
+            <a:off x="2107059" y="681037"/>
+            <a:ext cx="7772400" cy="4777754"/>
+          </a:xfrm>
+          <a:prstGeom prst="rect">
+            <a:avLst/>
+          </a:prstGeom>
+        </p:spPr>
+      </p:pic>
+      <p:sp>
+        <p:nvSpPr>
+          <p:cNvPr id="6" name="TextBox 5">
+            <a:extLst>
+              <a:ext uri="{FF2B5EF4-FFF2-40B4-BE49-F238E27FC236}">
+                <a16:creationId xmlns:a16="http://schemas.microsoft.com/office/drawing/2014/main" id="{77B457F7-5647-B3A1-5198-64708C42059C}"/>
+              </a:ext>
+            </a:extLst>
+          </p:cNvPr>
+          <p:cNvSpPr txBox="1"/>
+          <p:nvPr/>
+        </p:nvSpPr>
+        <p:spPr>
+          <a:xfrm>
+            <a:off x="4853779" y="6314948"/>
+            <a:ext cx="808042" cy="369332"/>
+          </a:xfrm>
+          <a:prstGeom prst="rect">
+            <a:avLst/>
+          </a:prstGeom>
+          <a:noFill/>
+        </p:spPr>
+        <p:txBody>
+          <a:bodyPr wrap="none" rtlCol="0">
+            <a:spAutoFit/>
+          </a:bodyPr>
+          <a:lstStyle/>
+          <a:p>
+            <a:r>
+              <a:rPr lang="en-US" dirty="0">
+                <a:hlinkClick r:id="rId3"/>
+              </a:rPr>
+              <a:t>source</a:t>
+            </a:r>
+            <a:endParaRPr lang="en-US" dirty="0"/>
           </a:p>
         </p:txBody>
       </p:sp>
@@ -5188,7 +5455,7 @@
           <p:cNvPr id="2" name="Title 1">
             <a:extLst>
               <a:ext uri="{FF2B5EF4-FFF2-40B4-BE49-F238E27FC236}">
-                <a16:creationId xmlns:a16="http://schemas.microsoft.com/office/drawing/2014/main" id="{E72B8FC9-1772-47BE-3659-A89131F5878C}"/>
+                <a16:creationId xmlns:a16="http://schemas.microsoft.com/office/drawing/2014/main" id="{E6DA6887-5723-9523-0811-CB2D2BFAF2BC}"/>
               </a:ext>
             </a:extLst>
           </p:cNvPr>
@@ -5198,87 +5465,114 @@
           <p:nvPr>
             <p:ph type="title"/>
           </p:nvPr>
+        </p:nvSpPr>
+        <p:spPr/>
+        <p:txBody>
+          <a:bodyPr/>
+          <a:lstStyle/>
+          <a:p>
+            <a:endParaRPr lang="en-US"/>
+          </a:p>
+        </p:txBody>
+      </p:sp>
+      <p:sp>
+        <p:nvSpPr>
+          <p:cNvPr id="3" name="Content Placeholder 2">
+            <a:extLst>
+              <a:ext uri="{FF2B5EF4-FFF2-40B4-BE49-F238E27FC236}">
+                <a16:creationId xmlns:a16="http://schemas.microsoft.com/office/drawing/2014/main" id="{7FE0C046-C12A-519D-8042-EC1046C9FDB1}"/>
+              </a:ext>
+            </a:extLst>
+          </p:cNvPr>
+          <p:cNvSpPr>
+            <a:spLocks noGrp="1"/>
+          </p:cNvSpPr>
+          <p:nvPr>
+            <p:ph idx="1"/>
+          </p:nvPr>
+        </p:nvSpPr>
+        <p:spPr/>
+        <p:txBody>
+          <a:bodyPr/>
+          <a:lstStyle/>
+          <a:p>
+            <a:endParaRPr lang="en-US"/>
+          </a:p>
+        </p:txBody>
+      </p:sp>
+      <p:sp>
+        <p:nvSpPr>
+          <p:cNvPr id="4" name="Slide Number Placeholder 3">
+            <a:extLst>
+              <a:ext uri="{FF2B5EF4-FFF2-40B4-BE49-F238E27FC236}">
+                <a16:creationId xmlns:a16="http://schemas.microsoft.com/office/drawing/2014/main" id="{18B64E71-5131-BEBE-5339-A698A8FB19CC}"/>
+              </a:ext>
+            </a:extLst>
+          </p:cNvPr>
+          <p:cNvSpPr>
+            <a:spLocks noGrp="1"/>
+          </p:cNvSpPr>
+          <p:nvPr>
+            <p:ph type="sldNum" sz="quarter" idx="12"/>
+          </p:nvPr>
+        </p:nvSpPr>
+        <p:spPr/>
+        <p:txBody>
+          <a:bodyPr/>
+          <a:lstStyle/>
+          <a:p>
+            <a:fld id="{8DA92383-653B-904A-8B81-EEE5ECD52C19}" type="slidenum">
+              <a:rPr lang="en-US" smtClean="0"/>
+              <a:t>5</a:t>
+            </a:fld>
+            <a:endParaRPr lang="en-US"/>
+          </a:p>
+        </p:txBody>
+      </p:sp>
+      <p:sp>
+        <p:nvSpPr>
+          <p:cNvPr id="5" name="TextBox 4">
+            <a:extLst>
+              <a:ext uri="{FF2B5EF4-FFF2-40B4-BE49-F238E27FC236}">
+                <a16:creationId xmlns:a16="http://schemas.microsoft.com/office/drawing/2014/main" id="{BE2533AB-C96D-FD0A-AC05-685FCEDF7CCB}"/>
+              </a:ext>
+            </a:extLst>
+          </p:cNvPr>
+          <p:cNvSpPr txBox="1"/>
+          <p:nvPr/>
         </p:nvSpPr>
         <p:spPr>
           <a:xfrm>
-            <a:off x="0" y="0"/>
-            <a:ext cx="10515600" cy="507234"/>
-          </a:xfrm>
-        </p:spPr>
-        <p:txBody>
-          <a:bodyPr>
-            <a:normAutofit fontScale="90000"/>
-          </a:bodyPr>
-          <a:lstStyle/>
-          <a:p>
-            <a:r>
-              <a:rPr lang="en-US" dirty="0"/>
-              <a:t>K-means</a:t>
-            </a:r>
-          </a:p>
-        </p:txBody>
-      </p:sp>
-      <p:sp>
-        <p:nvSpPr>
-          <p:cNvPr id="3" name="Content Placeholder 2">
-            <a:extLst>
-              <a:ext uri="{FF2B5EF4-FFF2-40B4-BE49-F238E27FC236}">
-                <a16:creationId xmlns:a16="http://schemas.microsoft.com/office/drawing/2014/main" id="{DFF66158-B693-3302-D2FF-EEFDD9D56C12}"/>
-              </a:ext>
-            </a:extLst>
-          </p:cNvPr>
-          <p:cNvSpPr>
-            <a:spLocks noGrp="1"/>
-          </p:cNvSpPr>
-          <p:nvPr>
-            <p:ph idx="1"/>
-          </p:nvPr>
-        </p:nvSpPr>
-        <p:spPr/>
-        <p:txBody>
-          <a:bodyPr/>
-          <a:lstStyle/>
-          <a:p>
-            <a:endParaRPr lang="en-US"/>
-          </a:p>
-        </p:txBody>
-      </p:sp>
-      <p:pic>
-        <p:nvPicPr>
-          <p:cNvPr id="5" name="Picture 4">
-            <a:extLst>
-              <a:ext uri="{FF2B5EF4-FFF2-40B4-BE49-F238E27FC236}">
-                <a16:creationId xmlns:a16="http://schemas.microsoft.com/office/drawing/2014/main" id="{C50B4E9F-1EB1-1480-2670-954E7163A92B}"/>
-              </a:ext>
-            </a:extLst>
-          </p:cNvPr>
-          <p:cNvPicPr>
-            <a:picLocks noChangeAspect="1"/>
-          </p:cNvPicPr>
-          <p:nvPr/>
-        </p:nvPicPr>
-        <p:blipFill>
-          <a:blip r:embed="rId2"/>
-          <a:stretch>
-            <a:fillRect/>
-          </a:stretch>
-        </p:blipFill>
-        <p:spPr>
-          <a:xfrm>
-            <a:off x="173181" y="1599805"/>
-            <a:ext cx="5630979" cy="4091258"/>
+            <a:off x="3821987" y="6356350"/>
+            <a:ext cx="808042" cy="369332"/>
           </a:xfrm>
           <a:prstGeom prst="rect">
             <a:avLst/>
           </a:prstGeom>
+          <a:noFill/>
         </p:spPr>
-      </p:pic>
+        <p:txBody>
+          <a:bodyPr wrap="none" rtlCol="0">
+            <a:spAutoFit/>
+          </a:bodyPr>
+          <a:lstStyle/>
+          <a:p>
+            <a:r>
+              <a:rPr lang="en-US" dirty="0">
+                <a:hlinkClick r:id="rId2"/>
+              </a:rPr>
+              <a:t>source</a:t>
+            </a:r>
+            <a:endParaRPr lang="en-US" dirty="0"/>
+          </a:p>
+        </p:txBody>
+      </p:sp>
       <p:pic>
         <p:nvPicPr>
           <p:cNvPr id="6" name="Picture 5">
             <a:extLst>
               <a:ext uri="{FF2B5EF4-FFF2-40B4-BE49-F238E27FC236}">
-                <a16:creationId xmlns:a16="http://schemas.microsoft.com/office/drawing/2014/main" id="{05E58D4E-B806-6135-1552-13736AFFCD93}"/>
+                <a16:creationId xmlns:a16="http://schemas.microsoft.com/office/drawing/2014/main" id="{63546D96-4797-8CF9-5000-1361D55682D9}"/>
               </a:ext>
             </a:extLst>
           </p:cNvPr>
@@ -5295,47 +5589,108 @@
         </p:blipFill>
         <p:spPr>
           <a:xfrm>
-            <a:off x="6469179" y="1695349"/>
-            <a:ext cx="5064609" cy="3900170"/>
+            <a:off x="838200" y="501975"/>
+            <a:ext cx="2792991" cy="2377425"/>
           </a:xfrm>
           <a:prstGeom prst="rect">
             <a:avLst/>
           </a:prstGeom>
         </p:spPr>
       </p:pic>
-      <p:sp>
-        <p:nvSpPr>
-          <p:cNvPr id="7" name="Slide Number Placeholder 6">
-            <a:extLst>
-              <a:ext uri="{FF2B5EF4-FFF2-40B4-BE49-F238E27FC236}">
-                <a16:creationId xmlns:a16="http://schemas.microsoft.com/office/drawing/2014/main" id="{F742E88C-A63D-65E2-7845-40DC51A594E8}"/>
-              </a:ext>
-            </a:extLst>
-          </p:cNvPr>
-          <p:cNvSpPr>
-            <a:spLocks noGrp="1"/>
-          </p:cNvSpPr>
-          <p:nvPr>
-            <p:ph type="sldNum" sz="quarter" idx="12"/>
-          </p:nvPr>
-        </p:nvSpPr>
-        <p:spPr/>
-        <p:txBody>
-          <a:bodyPr/>
-          <a:lstStyle/>
-          <a:p>
-            <a:fld id="{8DA92383-653B-904A-8B81-EEE5ECD52C19}" type="slidenum">
-              <a:rPr lang="en-US" smtClean="0"/>
-              <a:t>5</a:t>
-            </a:fld>
-            <a:endParaRPr lang="en-US"/>
-          </a:p>
-        </p:txBody>
-      </p:sp>
+      <p:pic>
+        <p:nvPicPr>
+          <p:cNvPr id="7" name="Picture 6">
+            <a:extLst>
+              <a:ext uri="{FF2B5EF4-FFF2-40B4-BE49-F238E27FC236}">
+                <a16:creationId xmlns:a16="http://schemas.microsoft.com/office/drawing/2014/main" id="{B025BED1-1B82-133F-BCAE-24C2AE0DAFD7}"/>
+              </a:ext>
+            </a:extLst>
+          </p:cNvPr>
+          <p:cNvPicPr>
+            <a:picLocks noChangeAspect="1"/>
+          </p:cNvPicPr>
+          <p:nvPr/>
+        </p:nvPicPr>
+        <p:blipFill>
+          <a:blip r:embed="rId4"/>
+          <a:stretch>
+            <a:fillRect/>
+          </a:stretch>
+        </p:blipFill>
+        <p:spPr>
+          <a:xfrm>
+            <a:off x="725302" y="3433629"/>
+            <a:ext cx="3096685" cy="2833027"/>
+          </a:xfrm>
+          <a:prstGeom prst="rect">
+            <a:avLst/>
+          </a:prstGeom>
+        </p:spPr>
+      </p:pic>
+      <p:pic>
+        <p:nvPicPr>
+          <p:cNvPr id="8" name="Picture 7">
+            <a:extLst>
+              <a:ext uri="{FF2B5EF4-FFF2-40B4-BE49-F238E27FC236}">
+                <a16:creationId xmlns:a16="http://schemas.microsoft.com/office/drawing/2014/main" id="{BC52C3D1-9122-7FB5-30B7-9A1399679111}"/>
+              </a:ext>
+            </a:extLst>
+          </p:cNvPr>
+          <p:cNvPicPr>
+            <a:picLocks noChangeAspect="1"/>
+          </p:cNvPicPr>
+          <p:nvPr/>
+        </p:nvPicPr>
+        <p:blipFill>
+          <a:blip r:embed="rId5"/>
+          <a:stretch>
+            <a:fillRect/>
+          </a:stretch>
+        </p:blipFill>
+        <p:spPr>
+          <a:xfrm>
+            <a:off x="5840341" y="365125"/>
+            <a:ext cx="3304309" cy="2547670"/>
+          </a:xfrm>
+          <a:prstGeom prst="rect">
+            <a:avLst/>
+          </a:prstGeom>
+        </p:spPr>
+      </p:pic>
+      <p:pic>
+        <p:nvPicPr>
+          <p:cNvPr id="9" name="Picture 8">
+            <a:extLst>
+              <a:ext uri="{FF2B5EF4-FFF2-40B4-BE49-F238E27FC236}">
+                <a16:creationId xmlns:a16="http://schemas.microsoft.com/office/drawing/2014/main" id="{98EBD1F3-D537-77DE-7C12-E12E28ECAD0D}"/>
+              </a:ext>
+            </a:extLst>
+          </p:cNvPr>
+          <p:cNvPicPr>
+            <a:picLocks noChangeAspect="1"/>
+          </p:cNvPicPr>
+          <p:nvPr/>
+        </p:nvPicPr>
+        <p:blipFill>
+          <a:blip r:embed="rId6"/>
+          <a:stretch>
+            <a:fillRect/>
+          </a:stretch>
+        </p:blipFill>
+        <p:spPr>
+          <a:xfrm>
+            <a:off x="4080164" y="3487120"/>
+            <a:ext cx="7772400" cy="2115518"/>
+          </a:xfrm>
+          <a:prstGeom prst="rect">
+            <a:avLst/>
+          </a:prstGeom>
+        </p:spPr>
+      </p:pic>
     </p:spTree>
     <p:extLst>
       <p:ext uri="{BB962C8B-B14F-4D97-AF65-F5344CB8AC3E}">
-        <p14:creationId xmlns:p14="http://schemas.microsoft.com/office/powerpoint/2010/main" val="2274114980"/>
+        <p14:creationId xmlns:p14="http://schemas.microsoft.com/office/powerpoint/2010/main" val="325531994"/>
       </p:ext>
     </p:extLst>
   </p:cSld>
@@ -5367,7 +5722,7 @@
           <p:cNvPr id="2" name="Title 1">
             <a:extLst>
               <a:ext uri="{FF2B5EF4-FFF2-40B4-BE49-F238E27FC236}">
-                <a16:creationId xmlns:a16="http://schemas.microsoft.com/office/drawing/2014/main" id="{D2007AD4-E1EB-742C-04EC-551474975DEE}"/>
+                <a16:creationId xmlns:a16="http://schemas.microsoft.com/office/drawing/2014/main" id="{E72B8FC9-1772-47BE-3659-A89131F5878C}"/>
               </a:ext>
             </a:extLst>
           </p:cNvPr>
@@ -5378,14 +5733,21 @@
             <p:ph type="title"/>
           </p:nvPr>
         </p:nvSpPr>
-        <p:spPr/>
-        <p:txBody>
-          <a:bodyPr/>
+        <p:spPr>
+          <a:xfrm>
+            <a:off x="0" y="0"/>
+            <a:ext cx="10515600" cy="507234"/>
+          </a:xfrm>
+        </p:spPr>
+        <p:txBody>
+          <a:bodyPr>
+            <a:normAutofit fontScale="90000"/>
+          </a:bodyPr>
           <a:lstStyle/>
           <a:p>
             <a:r>
               <a:rPr lang="en-US" dirty="0"/>
-              <a:t>K-means limitations</a:t>
+              <a:t>K-means</a:t>
             </a:r>
           </a:p>
         </p:txBody>
@@ -5395,7 +5757,7 @@
           <p:cNvPr id="3" name="Content Placeholder 2">
             <a:extLst>
               <a:ext uri="{FF2B5EF4-FFF2-40B4-BE49-F238E27FC236}">
-                <a16:creationId xmlns:a16="http://schemas.microsoft.com/office/drawing/2014/main" id="{EC2B66F2-FBE4-5B33-3077-36ECFF694F81}"/>
+                <a16:creationId xmlns:a16="http://schemas.microsoft.com/office/drawing/2014/main" id="{DFF66158-B693-3302-D2FF-EEFDD9D56C12}"/>
               </a:ext>
             </a:extLst>
           </p:cNvPr>
@@ -5411,25 +5773,76 @@
           <a:bodyPr/>
           <a:lstStyle/>
           <a:p>
-            <a:r>
-              <a:rPr lang="en-US" dirty="0"/>
-              <a:t>The algorithm requires an user-set number of clusters K, which is not necessarily optimal a priori</a:t>
-            </a:r>
-          </a:p>
-          <a:p>
-            <a:r>
-              <a:rPr lang="en-US" dirty="0"/>
-              <a:t>The initialization is random, and hence the effectiveness of the algorithm can be similarly random </a:t>
-            </a:r>
-          </a:p>
-        </p:txBody>
-      </p:sp>
-      <p:sp>
-        <p:nvSpPr>
-          <p:cNvPr id="4" name="Slide Number Placeholder 3">
-            <a:extLst>
-              <a:ext uri="{FF2B5EF4-FFF2-40B4-BE49-F238E27FC236}">
-                <a16:creationId xmlns:a16="http://schemas.microsoft.com/office/drawing/2014/main" id="{0E769DBC-3145-BA4A-00E7-026518A7A35F}"/>
+            <a:endParaRPr lang="en-US"/>
+          </a:p>
+        </p:txBody>
+      </p:sp>
+      <p:pic>
+        <p:nvPicPr>
+          <p:cNvPr id="5" name="Picture 4">
+            <a:extLst>
+              <a:ext uri="{FF2B5EF4-FFF2-40B4-BE49-F238E27FC236}">
+                <a16:creationId xmlns:a16="http://schemas.microsoft.com/office/drawing/2014/main" id="{C50B4E9F-1EB1-1480-2670-954E7163A92B}"/>
+              </a:ext>
+            </a:extLst>
+          </p:cNvPr>
+          <p:cNvPicPr>
+            <a:picLocks noChangeAspect="1"/>
+          </p:cNvPicPr>
+          <p:nvPr/>
+        </p:nvPicPr>
+        <p:blipFill>
+          <a:blip r:embed="rId2"/>
+          <a:stretch>
+            <a:fillRect/>
+          </a:stretch>
+        </p:blipFill>
+        <p:spPr>
+          <a:xfrm>
+            <a:off x="173181" y="1599805"/>
+            <a:ext cx="5630979" cy="4091258"/>
+          </a:xfrm>
+          <a:prstGeom prst="rect">
+            <a:avLst/>
+          </a:prstGeom>
+        </p:spPr>
+      </p:pic>
+      <p:pic>
+        <p:nvPicPr>
+          <p:cNvPr id="6" name="Picture 5">
+            <a:extLst>
+              <a:ext uri="{FF2B5EF4-FFF2-40B4-BE49-F238E27FC236}">
+                <a16:creationId xmlns:a16="http://schemas.microsoft.com/office/drawing/2014/main" id="{05E58D4E-B806-6135-1552-13736AFFCD93}"/>
+              </a:ext>
+            </a:extLst>
+          </p:cNvPr>
+          <p:cNvPicPr>
+            <a:picLocks noChangeAspect="1"/>
+          </p:cNvPicPr>
+          <p:nvPr/>
+        </p:nvPicPr>
+        <p:blipFill>
+          <a:blip r:embed="rId3"/>
+          <a:stretch>
+            <a:fillRect/>
+          </a:stretch>
+        </p:blipFill>
+        <p:spPr>
+          <a:xfrm>
+            <a:off x="6469179" y="1695349"/>
+            <a:ext cx="5064609" cy="3900170"/>
+          </a:xfrm>
+          <a:prstGeom prst="rect">
+            <a:avLst/>
+          </a:prstGeom>
+        </p:spPr>
+      </p:pic>
+      <p:sp>
+        <p:nvSpPr>
+          <p:cNvPr id="7" name="Slide Number Placeholder 6">
+            <a:extLst>
+              <a:ext uri="{FF2B5EF4-FFF2-40B4-BE49-F238E27FC236}">
+                <a16:creationId xmlns:a16="http://schemas.microsoft.com/office/drawing/2014/main" id="{F742E88C-A63D-65E2-7845-40DC51A594E8}"/>
               </a:ext>
             </a:extLst>
           </p:cNvPr>
@@ -5456,7 +5869,7 @@
     </p:spTree>
     <p:extLst>
       <p:ext uri="{BB962C8B-B14F-4D97-AF65-F5344CB8AC3E}">
-        <p14:creationId xmlns:p14="http://schemas.microsoft.com/office/powerpoint/2010/main" val="3770821376"/>
+        <p14:creationId xmlns:p14="http://schemas.microsoft.com/office/powerpoint/2010/main" val="2274114980"/>
       </p:ext>
     </p:extLst>
   </p:cSld>
@@ -5488,7 +5901,7 @@
           <p:cNvPr id="2" name="Title 1">
             <a:extLst>
               <a:ext uri="{FF2B5EF4-FFF2-40B4-BE49-F238E27FC236}">
-                <a16:creationId xmlns:a16="http://schemas.microsoft.com/office/drawing/2014/main" id="{1C369583-EC88-EF05-3258-773CF1B4EAD0}"/>
+                <a16:creationId xmlns:a16="http://schemas.microsoft.com/office/drawing/2014/main" id="{D2007AD4-E1EB-742C-04EC-551474975DEE}"/>
               </a:ext>
             </a:extLst>
           </p:cNvPr>
@@ -5499,21 +5912,14 @@
             <p:ph type="title"/>
           </p:nvPr>
         </p:nvSpPr>
-        <p:spPr>
-          <a:xfrm>
-            <a:off x="218090" y="136525"/>
-            <a:ext cx="10515600" cy="423151"/>
-          </a:xfrm>
-        </p:spPr>
-        <p:txBody>
-          <a:bodyPr>
-            <a:normAutofit fontScale="90000"/>
-          </a:bodyPr>
+        <p:spPr/>
+        <p:txBody>
+          <a:bodyPr/>
           <a:lstStyle/>
           <a:p>
             <a:r>
               <a:rPr lang="en-US" dirty="0"/>
-              <a:t>The Elbow method</a:t>
+              <a:t>K-means limitations</a:t>
             </a:r>
           </a:p>
         </p:txBody>
@@ -5523,7 +5929,7 @@
           <p:cNvPr id="3" name="Content Placeholder 2">
             <a:extLst>
               <a:ext uri="{FF2B5EF4-FFF2-40B4-BE49-F238E27FC236}">
-                <a16:creationId xmlns:a16="http://schemas.microsoft.com/office/drawing/2014/main" id="{5A57EA06-EEB8-F297-67D7-B7EFF9DFF2AD}"/>
+                <a16:creationId xmlns:a16="http://schemas.microsoft.com/office/drawing/2014/main" id="{EC2B66F2-FBE4-5B33-3077-36ECFF694F81}"/>
               </a:ext>
             </a:extLst>
           </p:cNvPr>
@@ -5539,7 +5945,16 @@
           <a:bodyPr/>
           <a:lstStyle/>
           <a:p>
-            <a:endParaRPr lang="en-US"/>
+            <a:r>
+              <a:rPr lang="en-US" dirty="0"/>
+              <a:t>The algorithm requires an user-set number of clusters K, which is not necessarily optimal a priori</a:t>
+            </a:r>
+          </a:p>
+          <a:p>
+            <a:r>
+              <a:rPr lang="en-US" dirty="0"/>
+              <a:t>The initialization is random, and hence the effectiveness of the algorithm can be similarly random </a:t>
+            </a:r>
           </a:p>
         </p:txBody>
       </p:sp>
@@ -5548,7 +5963,7 @@
           <p:cNvPr id="4" name="Slide Number Placeholder 3">
             <a:extLst>
               <a:ext uri="{FF2B5EF4-FFF2-40B4-BE49-F238E27FC236}">
-                <a16:creationId xmlns:a16="http://schemas.microsoft.com/office/drawing/2014/main" id="{F84D02A1-F468-D755-565B-E052A2F74BC1}"/>
+                <a16:creationId xmlns:a16="http://schemas.microsoft.com/office/drawing/2014/main" id="{0E769DBC-3145-BA4A-00E7-026518A7A35F}"/>
               </a:ext>
             </a:extLst>
           </p:cNvPr>
@@ -5572,146 +5987,10 @@
           </a:p>
         </p:txBody>
       </p:sp>
-      <p:pic>
-        <p:nvPicPr>
-          <p:cNvPr id="5" name="Picture 4">
-            <a:extLst>
-              <a:ext uri="{FF2B5EF4-FFF2-40B4-BE49-F238E27FC236}">
-                <a16:creationId xmlns:a16="http://schemas.microsoft.com/office/drawing/2014/main" id="{33634B67-C524-6F76-BF2B-B27D688CE634}"/>
-              </a:ext>
-            </a:extLst>
-          </p:cNvPr>
-          <p:cNvPicPr>
-            <a:picLocks noChangeAspect="1"/>
-          </p:cNvPicPr>
-          <p:nvPr/>
-        </p:nvPicPr>
-        <p:blipFill>
-          <a:blip r:embed="rId2"/>
-          <a:stretch>
-            <a:fillRect/>
-          </a:stretch>
-        </p:blipFill>
-        <p:spPr>
-          <a:xfrm>
-            <a:off x="249144" y="681037"/>
-            <a:ext cx="5226746" cy="5298592"/>
-          </a:xfrm>
-          <a:prstGeom prst="rect">
-            <a:avLst/>
-          </a:prstGeom>
-        </p:spPr>
-      </p:pic>
-      <p:sp>
-        <p:nvSpPr>
-          <p:cNvPr id="6" name="TextBox 5">
-            <a:extLst>
-              <a:ext uri="{FF2B5EF4-FFF2-40B4-BE49-F238E27FC236}">
-                <a16:creationId xmlns:a16="http://schemas.microsoft.com/office/drawing/2014/main" id="{63FEE73E-05D7-2C5D-6264-B4749774CF5D}"/>
-              </a:ext>
-            </a:extLst>
-          </p:cNvPr>
-          <p:cNvSpPr txBox="1"/>
-          <p:nvPr/>
-        </p:nvSpPr>
-        <p:spPr>
-          <a:xfrm>
-            <a:off x="1288473" y="6176963"/>
-            <a:ext cx="808042" cy="369332"/>
-          </a:xfrm>
-          <a:prstGeom prst="rect">
-            <a:avLst/>
-          </a:prstGeom>
-          <a:noFill/>
-        </p:spPr>
-        <p:txBody>
-          <a:bodyPr wrap="none" rtlCol="0">
-            <a:spAutoFit/>
-          </a:bodyPr>
-          <a:lstStyle/>
-          <a:p>
-            <a:r>
-              <a:rPr lang="en-US" dirty="0">
-                <a:hlinkClick r:id="rId3"/>
-              </a:rPr>
-              <a:t>source</a:t>
-            </a:r>
-            <a:endParaRPr lang="en-US" dirty="0"/>
-          </a:p>
-        </p:txBody>
-      </p:sp>
-      <p:pic>
-        <p:nvPicPr>
-          <p:cNvPr id="7" name="Picture 6">
-            <a:extLst>
-              <a:ext uri="{FF2B5EF4-FFF2-40B4-BE49-F238E27FC236}">
-                <a16:creationId xmlns:a16="http://schemas.microsoft.com/office/drawing/2014/main" id="{CB9ECD63-BA0B-DBDD-6096-18B4CBFB235F}"/>
-              </a:ext>
-            </a:extLst>
-          </p:cNvPr>
-          <p:cNvPicPr>
-            <a:picLocks noChangeAspect="1"/>
-          </p:cNvPicPr>
-          <p:nvPr/>
-        </p:nvPicPr>
-        <p:blipFill>
-          <a:blip r:embed="rId4"/>
-          <a:stretch>
-            <a:fillRect/>
-          </a:stretch>
-        </p:blipFill>
-        <p:spPr>
-          <a:xfrm>
-            <a:off x="6064946" y="559676"/>
-            <a:ext cx="5493327" cy="4235925"/>
-          </a:xfrm>
-          <a:prstGeom prst="rect">
-            <a:avLst/>
-          </a:prstGeom>
-        </p:spPr>
-      </p:pic>
-      <p:sp>
-        <p:nvSpPr>
-          <p:cNvPr id="8" name="TextBox 7">
-            <a:extLst>
-              <a:ext uri="{FF2B5EF4-FFF2-40B4-BE49-F238E27FC236}">
-                <a16:creationId xmlns:a16="http://schemas.microsoft.com/office/drawing/2014/main" id="{53BEBCF0-147F-E1F6-56FA-FCB24D3B29DF}"/>
-              </a:ext>
-            </a:extLst>
-          </p:cNvPr>
-          <p:cNvSpPr txBox="1"/>
-          <p:nvPr/>
-        </p:nvSpPr>
-        <p:spPr>
-          <a:xfrm>
-            <a:off x="8811609" y="5209309"/>
-            <a:ext cx="808042" cy="369332"/>
-          </a:xfrm>
-          <a:prstGeom prst="rect">
-            <a:avLst/>
-          </a:prstGeom>
-          <a:noFill/>
-        </p:spPr>
-        <p:txBody>
-          <a:bodyPr wrap="none" rtlCol="0">
-            <a:spAutoFit/>
-          </a:bodyPr>
-          <a:lstStyle/>
-          <a:p>
-            <a:r>
-              <a:rPr lang="en-US" dirty="0">
-                <a:hlinkClick r:id="rId5"/>
-              </a:rPr>
-              <a:t>source</a:t>
-            </a:r>
-            <a:endParaRPr lang="en-US" dirty="0"/>
-          </a:p>
-        </p:txBody>
-      </p:sp>
     </p:spTree>
     <p:extLst>
       <p:ext uri="{BB962C8B-B14F-4D97-AF65-F5344CB8AC3E}">
-        <p14:creationId xmlns:p14="http://schemas.microsoft.com/office/powerpoint/2010/main" val="3993587703"/>
+        <p14:creationId xmlns:p14="http://schemas.microsoft.com/office/powerpoint/2010/main" val="3770821376"/>
       </p:ext>
     </p:extLst>
   </p:cSld>
@@ -5743,7 +6022,7 @@
           <p:cNvPr id="2" name="Title 1">
             <a:extLst>
               <a:ext uri="{FF2B5EF4-FFF2-40B4-BE49-F238E27FC236}">
-                <a16:creationId xmlns:a16="http://schemas.microsoft.com/office/drawing/2014/main" id="{D09F851A-B0AC-07F0-3D22-D454F2E51B12}"/>
+                <a16:creationId xmlns:a16="http://schemas.microsoft.com/office/drawing/2014/main" id="{1C369583-EC88-EF05-3258-773CF1B4EAD0}"/>
               </a:ext>
             </a:extLst>
           </p:cNvPr>
@@ -5756,8 +6035,8 @@
         </p:nvSpPr>
         <p:spPr>
           <a:xfrm>
-            <a:off x="117764" y="159471"/>
-            <a:ext cx="10515600" cy="521566"/>
+            <a:off x="218090" y="136525"/>
+            <a:ext cx="10515600" cy="423151"/>
           </a:xfrm>
         </p:spPr>
         <p:txBody>
@@ -5768,7 +6047,7 @@
           <a:p>
             <a:r>
               <a:rPr lang="en-US" dirty="0"/>
-              <a:t>Silhouette score </a:t>
+              <a:t>The Elbow method</a:t>
             </a:r>
           </a:p>
         </p:txBody>
@@ -5778,7 +6057,7 @@
           <p:cNvPr id="3" name="Content Placeholder 2">
             <a:extLst>
               <a:ext uri="{FF2B5EF4-FFF2-40B4-BE49-F238E27FC236}">
-                <a16:creationId xmlns:a16="http://schemas.microsoft.com/office/drawing/2014/main" id="{763D951B-A9B4-7039-1433-312FBC283DCD}"/>
+                <a16:creationId xmlns:a16="http://schemas.microsoft.com/office/drawing/2014/main" id="{5A57EA06-EEB8-F297-67D7-B7EFF9DFF2AD}"/>
               </a:ext>
             </a:extLst>
           </p:cNvPr>
@@ -5794,16 +6073,45 @@
           <a:bodyPr/>
           <a:lstStyle/>
           <a:p>
+            <a:endParaRPr lang="en-US"/>
+          </a:p>
+        </p:txBody>
+      </p:sp>
+      <p:sp>
+        <p:nvSpPr>
+          <p:cNvPr id="4" name="Slide Number Placeholder 3">
+            <a:extLst>
+              <a:ext uri="{FF2B5EF4-FFF2-40B4-BE49-F238E27FC236}">
+                <a16:creationId xmlns:a16="http://schemas.microsoft.com/office/drawing/2014/main" id="{F84D02A1-F468-D755-565B-E052A2F74BC1}"/>
+              </a:ext>
+            </a:extLst>
+          </p:cNvPr>
+          <p:cNvSpPr>
+            <a:spLocks noGrp="1"/>
+          </p:cNvSpPr>
+          <p:nvPr>
+            <p:ph type="sldNum" sz="quarter" idx="12"/>
+          </p:nvPr>
+        </p:nvSpPr>
+        <p:spPr/>
+        <p:txBody>
+          <a:bodyPr/>
+          <a:lstStyle/>
+          <a:p>
+            <a:fld id="{8DA92383-653B-904A-8B81-EEE5ECD52C19}" type="slidenum">
+              <a:rPr lang="en-US" smtClean="0"/>
+              <a:t>8</a:t>
+            </a:fld>
             <a:endParaRPr lang="en-US"/>
           </a:p>
         </p:txBody>
       </p:sp>
       <p:pic>
         <p:nvPicPr>
-          <p:cNvPr id="4" name="Picture 3">
-            <a:extLst>
-              <a:ext uri="{FF2B5EF4-FFF2-40B4-BE49-F238E27FC236}">
-                <a16:creationId xmlns:a16="http://schemas.microsoft.com/office/drawing/2014/main" id="{C7180DEB-D69C-DA2F-6112-57EC6B0CD216}"/>
+          <p:cNvPr id="5" name="Picture 4">
+            <a:extLst>
+              <a:ext uri="{FF2B5EF4-FFF2-40B4-BE49-F238E27FC236}">
+                <a16:creationId xmlns:a16="http://schemas.microsoft.com/office/drawing/2014/main" id="{33634B67-C524-6F76-BF2B-B27D688CE634}"/>
               </a:ext>
             </a:extLst>
           </p:cNvPr>
@@ -5820,8 +6128,8 @@
         </p:blipFill>
         <p:spPr>
           <a:xfrm>
-            <a:off x="1641763" y="1059041"/>
-            <a:ext cx="9511146" cy="5291655"/>
+            <a:off x="249144" y="681037"/>
+            <a:ext cx="5226746" cy="5298592"/>
           </a:xfrm>
           <a:prstGeom prst="rect">
             <a:avLst/>
@@ -5830,37 +6138,114 @@
       </p:pic>
       <p:sp>
         <p:nvSpPr>
-          <p:cNvPr id="5" name="Slide Number Placeholder 4">
-            <a:extLst>
-              <a:ext uri="{FF2B5EF4-FFF2-40B4-BE49-F238E27FC236}">
-                <a16:creationId xmlns:a16="http://schemas.microsoft.com/office/drawing/2014/main" id="{3DF4D52F-D8F3-975A-1547-46A9CA0FFDF9}"/>
-              </a:ext>
-            </a:extLst>
-          </p:cNvPr>
-          <p:cNvSpPr>
-            <a:spLocks noGrp="1"/>
-          </p:cNvSpPr>
-          <p:nvPr>
-            <p:ph type="sldNum" sz="quarter" idx="12"/>
-          </p:nvPr>
-        </p:nvSpPr>
-        <p:spPr/>
-        <p:txBody>
-          <a:bodyPr/>
-          <a:lstStyle/>
-          <a:p>
-            <a:fld id="{8DA92383-653B-904A-8B81-EEE5ECD52C19}" type="slidenum">
-              <a:rPr lang="en-US" smtClean="0"/>
-              <a:t>8</a:t>
-            </a:fld>
-            <a:endParaRPr lang="en-US"/>
+          <p:cNvPr id="6" name="TextBox 5">
+            <a:extLst>
+              <a:ext uri="{FF2B5EF4-FFF2-40B4-BE49-F238E27FC236}">
+                <a16:creationId xmlns:a16="http://schemas.microsoft.com/office/drawing/2014/main" id="{63FEE73E-05D7-2C5D-6264-B4749774CF5D}"/>
+              </a:ext>
+            </a:extLst>
+          </p:cNvPr>
+          <p:cNvSpPr txBox="1"/>
+          <p:nvPr/>
+        </p:nvSpPr>
+        <p:spPr>
+          <a:xfrm>
+            <a:off x="1288473" y="6176963"/>
+            <a:ext cx="808042" cy="369332"/>
+          </a:xfrm>
+          <a:prstGeom prst="rect">
+            <a:avLst/>
+          </a:prstGeom>
+          <a:noFill/>
+        </p:spPr>
+        <p:txBody>
+          <a:bodyPr wrap="none" rtlCol="0">
+            <a:spAutoFit/>
+          </a:bodyPr>
+          <a:lstStyle/>
+          <a:p>
+            <a:r>
+              <a:rPr lang="en-US" dirty="0">
+                <a:hlinkClick r:id="rId3"/>
+              </a:rPr>
+              <a:t>source</a:t>
+            </a:r>
+            <a:endParaRPr lang="en-US" dirty="0"/>
+          </a:p>
+        </p:txBody>
+      </p:sp>
+      <p:pic>
+        <p:nvPicPr>
+          <p:cNvPr id="7" name="Picture 6">
+            <a:extLst>
+              <a:ext uri="{FF2B5EF4-FFF2-40B4-BE49-F238E27FC236}">
+                <a16:creationId xmlns:a16="http://schemas.microsoft.com/office/drawing/2014/main" id="{CB9ECD63-BA0B-DBDD-6096-18B4CBFB235F}"/>
+              </a:ext>
+            </a:extLst>
+          </p:cNvPr>
+          <p:cNvPicPr>
+            <a:picLocks noChangeAspect="1"/>
+          </p:cNvPicPr>
+          <p:nvPr/>
+        </p:nvPicPr>
+        <p:blipFill>
+          <a:blip r:embed="rId4"/>
+          <a:stretch>
+            <a:fillRect/>
+          </a:stretch>
+        </p:blipFill>
+        <p:spPr>
+          <a:xfrm>
+            <a:off x="6064946" y="559676"/>
+            <a:ext cx="5493327" cy="4235925"/>
+          </a:xfrm>
+          <a:prstGeom prst="rect">
+            <a:avLst/>
+          </a:prstGeom>
+        </p:spPr>
+      </p:pic>
+      <p:sp>
+        <p:nvSpPr>
+          <p:cNvPr id="8" name="TextBox 7">
+            <a:extLst>
+              <a:ext uri="{FF2B5EF4-FFF2-40B4-BE49-F238E27FC236}">
+                <a16:creationId xmlns:a16="http://schemas.microsoft.com/office/drawing/2014/main" id="{53BEBCF0-147F-E1F6-56FA-FCB24D3B29DF}"/>
+              </a:ext>
+            </a:extLst>
+          </p:cNvPr>
+          <p:cNvSpPr txBox="1"/>
+          <p:nvPr/>
+        </p:nvSpPr>
+        <p:spPr>
+          <a:xfrm>
+            <a:off x="8811609" y="5209309"/>
+            <a:ext cx="808042" cy="369332"/>
+          </a:xfrm>
+          <a:prstGeom prst="rect">
+            <a:avLst/>
+          </a:prstGeom>
+          <a:noFill/>
+        </p:spPr>
+        <p:txBody>
+          <a:bodyPr wrap="none" rtlCol="0">
+            <a:spAutoFit/>
+          </a:bodyPr>
+          <a:lstStyle/>
+          <a:p>
+            <a:r>
+              <a:rPr lang="en-US" dirty="0">
+                <a:hlinkClick r:id="rId5"/>
+              </a:rPr>
+              <a:t>source</a:t>
+            </a:r>
+            <a:endParaRPr lang="en-US" dirty="0"/>
           </a:p>
         </p:txBody>
       </p:sp>
     </p:spTree>
     <p:extLst>
       <p:ext uri="{BB962C8B-B14F-4D97-AF65-F5344CB8AC3E}">
-        <p14:creationId xmlns:p14="http://schemas.microsoft.com/office/powerpoint/2010/main" val="347589384"/>
+        <p14:creationId xmlns:p14="http://schemas.microsoft.com/office/powerpoint/2010/main" val="3993587703"/>
       </p:ext>
     </p:extLst>
   </p:cSld>
@@ -5892,7 +6277,7 @@
           <p:cNvPr id="2" name="Title 1">
             <a:extLst>
               <a:ext uri="{FF2B5EF4-FFF2-40B4-BE49-F238E27FC236}">
-                <a16:creationId xmlns:a16="http://schemas.microsoft.com/office/drawing/2014/main" id="{E8E89167-1A37-85DE-83C3-2D5D2FC041CA}"/>
+                <a16:creationId xmlns:a16="http://schemas.microsoft.com/office/drawing/2014/main" id="{D09F851A-B0AC-07F0-3D22-D454F2E51B12}"/>
               </a:ext>
             </a:extLst>
           </p:cNvPr>
@@ -5905,17 +6290,19 @@
         </p:nvSpPr>
         <p:spPr>
           <a:xfrm>
-            <a:off x="339795" y="166255"/>
-            <a:ext cx="10515600" cy="1325563"/>
+            <a:off x="117764" y="159471"/>
+            <a:ext cx="10515600" cy="521566"/>
           </a:xfrm>
         </p:spPr>
         <p:txBody>
-          <a:bodyPr/>
+          <a:bodyPr>
+            <a:normAutofit fontScale="90000"/>
+          </a:bodyPr>
           <a:lstStyle/>
           <a:p>
             <a:r>
               <a:rPr lang="en-US" dirty="0"/>
-              <a:t>Base clustering</a:t>
+              <a:t>Silhouette score </a:t>
             </a:r>
           </a:p>
         </p:txBody>
@@ -5925,7 +6312,7 @@
           <p:cNvPr id="3" name="Content Placeholder 2">
             <a:extLst>
               <a:ext uri="{FF2B5EF4-FFF2-40B4-BE49-F238E27FC236}">
-                <a16:creationId xmlns:a16="http://schemas.microsoft.com/office/drawing/2014/main" id="{74954AE2-2297-5BFA-D5A2-F8742F5655AF}"/>
+                <a16:creationId xmlns:a16="http://schemas.microsoft.com/office/drawing/2014/main" id="{763D951B-A9B4-7039-1433-312FBC283DCD}"/>
               </a:ext>
             </a:extLst>
           </p:cNvPr>
@@ -5947,10 +6334,10 @@
       </p:sp>
       <p:pic>
         <p:nvPicPr>
-          <p:cNvPr id="5" name="Picture 4">
-            <a:extLst>
-              <a:ext uri="{FF2B5EF4-FFF2-40B4-BE49-F238E27FC236}">
-                <a16:creationId xmlns:a16="http://schemas.microsoft.com/office/drawing/2014/main" id="{D20085D8-23B5-9F02-EF16-5545F475DA37}"/>
+          <p:cNvPr id="4" name="Picture 3">
+            <a:extLst>
+              <a:ext uri="{FF2B5EF4-FFF2-40B4-BE49-F238E27FC236}">
+                <a16:creationId xmlns:a16="http://schemas.microsoft.com/office/drawing/2014/main" id="{C7180DEB-D69C-DA2F-6112-57EC6B0CD216}"/>
               </a:ext>
             </a:extLst>
           </p:cNvPr>
@@ -5967,50 +6354,20 @@
         </p:blipFill>
         <p:spPr>
           <a:xfrm>
-            <a:off x="339795" y="1781175"/>
-            <a:ext cx="5867400" cy="4711700"/>
+            <a:off x="1641763" y="1059041"/>
+            <a:ext cx="9511146" cy="5291655"/>
           </a:xfrm>
           <a:prstGeom prst="rect">
             <a:avLst/>
           </a:prstGeom>
         </p:spPr>
       </p:pic>
-      <p:pic>
-        <p:nvPicPr>
-          <p:cNvPr id="6" name="Picture 5">
-            <a:extLst>
-              <a:ext uri="{FF2B5EF4-FFF2-40B4-BE49-F238E27FC236}">
-                <a16:creationId xmlns:a16="http://schemas.microsoft.com/office/drawing/2014/main" id="{0C48EDAD-08B2-539D-AE39-B0FA3BA40C12}"/>
-              </a:ext>
-            </a:extLst>
-          </p:cNvPr>
-          <p:cNvPicPr>
-            <a:picLocks noChangeAspect="1"/>
-          </p:cNvPicPr>
-          <p:nvPr/>
-        </p:nvPicPr>
-        <p:blipFill>
-          <a:blip r:embed="rId3"/>
-          <a:stretch>
-            <a:fillRect/>
-          </a:stretch>
-        </p:blipFill>
-        <p:spPr>
-          <a:xfrm>
-            <a:off x="6895536" y="387927"/>
-            <a:ext cx="5095215" cy="6303818"/>
-          </a:xfrm>
-          <a:prstGeom prst="rect">
-            <a:avLst/>
-          </a:prstGeom>
-        </p:spPr>
-      </p:pic>
-      <p:sp>
-        <p:nvSpPr>
-          <p:cNvPr id="7" name="Slide Number Placeholder 6">
-            <a:extLst>
-              <a:ext uri="{FF2B5EF4-FFF2-40B4-BE49-F238E27FC236}">
-                <a16:creationId xmlns:a16="http://schemas.microsoft.com/office/drawing/2014/main" id="{E485035C-9440-B0F1-2B49-2201E3E1EC77}"/>
+      <p:sp>
+        <p:nvSpPr>
+          <p:cNvPr id="5" name="Slide Number Placeholder 4">
+            <a:extLst>
+              <a:ext uri="{FF2B5EF4-FFF2-40B4-BE49-F238E27FC236}">
+                <a16:creationId xmlns:a16="http://schemas.microsoft.com/office/drawing/2014/main" id="{3DF4D52F-D8F3-975A-1547-46A9CA0FFDF9}"/>
               </a:ext>
             </a:extLst>
           </p:cNvPr>
@@ -6037,7 +6394,7 @@
     </p:spTree>
     <p:extLst>
       <p:ext uri="{BB962C8B-B14F-4D97-AF65-F5344CB8AC3E}">
-        <p14:creationId xmlns:p14="http://schemas.microsoft.com/office/powerpoint/2010/main" val="1755441597"/>
+        <p14:creationId xmlns:p14="http://schemas.microsoft.com/office/powerpoint/2010/main" val="347589384"/>
       </p:ext>
     </p:extLst>
   </p:cSld>

--- a/mylearnings/mylecturenotes/ML4AM_Ch4_OptimalClustering.pptx
+++ b/mylearnings/mylecturenotes/ML4AM_Ch4_OptimalClustering.pptx
@@ -5,7 +5,7 @@
     <p:sldMasterId id="2147483648" r:id="rId1"/>
   </p:sldMasterIdLst>
   <p:notesMasterIdLst>
-    <p:notesMasterId r:id="rId17"/>
+    <p:notesMasterId r:id="rId18"/>
   </p:notesMasterIdLst>
   <p:sldIdLst>
     <p:sldId id="256" r:id="rId2"/>
@@ -13,16 +13,17 @@
     <p:sldId id="266" r:id="rId4"/>
     <p:sldId id="259" r:id="rId5"/>
     <p:sldId id="271" r:id="rId6"/>
-    <p:sldId id="260" r:id="rId7"/>
-    <p:sldId id="261" r:id="rId8"/>
-    <p:sldId id="265" r:id="rId9"/>
-    <p:sldId id="262" r:id="rId10"/>
-    <p:sldId id="263" r:id="rId11"/>
-    <p:sldId id="264" r:id="rId12"/>
-    <p:sldId id="267" r:id="rId13"/>
-    <p:sldId id="270" r:id="rId14"/>
-    <p:sldId id="258" r:id="rId15"/>
-    <p:sldId id="269" r:id="rId16"/>
+    <p:sldId id="272" r:id="rId7"/>
+    <p:sldId id="260" r:id="rId8"/>
+    <p:sldId id="261" r:id="rId9"/>
+    <p:sldId id="265" r:id="rId10"/>
+    <p:sldId id="262" r:id="rId11"/>
+    <p:sldId id="263" r:id="rId12"/>
+    <p:sldId id="264" r:id="rId13"/>
+    <p:sldId id="267" r:id="rId14"/>
+    <p:sldId id="270" r:id="rId15"/>
+    <p:sldId id="258" r:id="rId16"/>
+    <p:sldId id="269" r:id="rId17"/>
   </p:sldIdLst>
   <p:sldSz cx="12192000" cy="6858000"/>
   <p:notesSz cx="6858000" cy="9144000"/>
@@ -3805,7 +3806,7 @@
           <p:cNvPr id="2" name="Title 1">
             <a:extLst>
               <a:ext uri="{FF2B5EF4-FFF2-40B4-BE49-F238E27FC236}">
-                <a16:creationId xmlns:a16="http://schemas.microsoft.com/office/drawing/2014/main" id="{E8E89167-1A37-85DE-83C3-2D5D2FC041CA}"/>
+                <a16:creationId xmlns:a16="http://schemas.microsoft.com/office/drawing/2014/main" id="{D09F851A-B0AC-07F0-3D22-D454F2E51B12}"/>
               </a:ext>
             </a:extLst>
           </p:cNvPr>
@@ -3818,17 +3819,19 @@
         </p:nvSpPr>
         <p:spPr>
           <a:xfrm>
-            <a:off x="339795" y="166255"/>
-            <a:ext cx="10515600" cy="1325563"/>
+            <a:off x="117764" y="159471"/>
+            <a:ext cx="10515600" cy="521566"/>
           </a:xfrm>
         </p:spPr>
         <p:txBody>
-          <a:bodyPr/>
+          <a:bodyPr>
+            <a:normAutofit fontScale="90000"/>
+          </a:bodyPr>
           <a:lstStyle/>
           <a:p>
             <a:r>
               <a:rPr lang="en-US" dirty="0"/>
-              <a:t>Base clustering</a:t>
+              <a:t>Silhouette score </a:t>
             </a:r>
           </a:p>
         </p:txBody>
@@ -3838,7 +3841,7 @@
           <p:cNvPr id="3" name="Content Placeholder 2">
             <a:extLst>
               <a:ext uri="{FF2B5EF4-FFF2-40B4-BE49-F238E27FC236}">
-                <a16:creationId xmlns:a16="http://schemas.microsoft.com/office/drawing/2014/main" id="{74954AE2-2297-5BFA-D5A2-F8742F5655AF}"/>
+                <a16:creationId xmlns:a16="http://schemas.microsoft.com/office/drawing/2014/main" id="{763D951B-A9B4-7039-1433-312FBC283DCD}"/>
               </a:ext>
             </a:extLst>
           </p:cNvPr>
@@ -3860,10 +3863,10 @@
       </p:sp>
       <p:pic>
         <p:nvPicPr>
-          <p:cNvPr id="5" name="Picture 4">
-            <a:extLst>
-              <a:ext uri="{FF2B5EF4-FFF2-40B4-BE49-F238E27FC236}">
-                <a16:creationId xmlns:a16="http://schemas.microsoft.com/office/drawing/2014/main" id="{D20085D8-23B5-9F02-EF16-5545F475DA37}"/>
+          <p:cNvPr id="4" name="Picture 3">
+            <a:extLst>
+              <a:ext uri="{FF2B5EF4-FFF2-40B4-BE49-F238E27FC236}">
+                <a16:creationId xmlns:a16="http://schemas.microsoft.com/office/drawing/2014/main" id="{C7180DEB-D69C-DA2F-6112-57EC6B0CD216}"/>
               </a:ext>
             </a:extLst>
           </p:cNvPr>
@@ -3880,50 +3883,20 @@
         </p:blipFill>
         <p:spPr>
           <a:xfrm>
-            <a:off x="339795" y="1781175"/>
-            <a:ext cx="5867400" cy="4711700"/>
+            <a:off x="1641763" y="1059041"/>
+            <a:ext cx="9511146" cy="5291655"/>
           </a:xfrm>
           <a:prstGeom prst="rect">
             <a:avLst/>
           </a:prstGeom>
         </p:spPr>
       </p:pic>
-      <p:pic>
-        <p:nvPicPr>
-          <p:cNvPr id="6" name="Picture 5">
-            <a:extLst>
-              <a:ext uri="{FF2B5EF4-FFF2-40B4-BE49-F238E27FC236}">
-                <a16:creationId xmlns:a16="http://schemas.microsoft.com/office/drawing/2014/main" id="{0C48EDAD-08B2-539D-AE39-B0FA3BA40C12}"/>
-              </a:ext>
-            </a:extLst>
-          </p:cNvPr>
-          <p:cNvPicPr>
-            <a:picLocks noChangeAspect="1"/>
-          </p:cNvPicPr>
-          <p:nvPr/>
-        </p:nvPicPr>
-        <p:blipFill>
-          <a:blip r:embed="rId3"/>
-          <a:stretch>
-            <a:fillRect/>
-          </a:stretch>
-        </p:blipFill>
-        <p:spPr>
-          <a:xfrm>
-            <a:off x="6895536" y="387927"/>
-            <a:ext cx="5095215" cy="6303818"/>
-          </a:xfrm>
-          <a:prstGeom prst="rect">
-            <a:avLst/>
-          </a:prstGeom>
-        </p:spPr>
-      </p:pic>
-      <p:sp>
-        <p:nvSpPr>
-          <p:cNvPr id="7" name="Slide Number Placeholder 6">
-            <a:extLst>
-              <a:ext uri="{FF2B5EF4-FFF2-40B4-BE49-F238E27FC236}">
-                <a16:creationId xmlns:a16="http://schemas.microsoft.com/office/drawing/2014/main" id="{E485035C-9440-B0F1-2B49-2201E3E1EC77}"/>
+      <p:sp>
+        <p:nvSpPr>
+          <p:cNvPr id="5" name="Slide Number Placeholder 4">
+            <a:extLst>
+              <a:ext uri="{FF2B5EF4-FFF2-40B4-BE49-F238E27FC236}">
+                <a16:creationId xmlns:a16="http://schemas.microsoft.com/office/drawing/2014/main" id="{3DF4D52F-D8F3-975A-1547-46A9CA0FFDF9}"/>
               </a:ext>
             </a:extLst>
           </p:cNvPr>
@@ -3950,7 +3923,7 @@
     </p:spTree>
     <p:extLst>
       <p:ext uri="{BB962C8B-B14F-4D97-AF65-F5344CB8AC3E}">
-        <p14:creationId xmlns:p14="http://schemas.microsoft.com/office/powerpoint/2010/main" val="1755441597"/>
+        <p14:creationId xmlns:p14="http://schemas.microsoft.com/office/powerpoint/2010/main" val="347589384"/>
       </p:ext>
     </p:extLst>
   </p:cSld>
@@ -3982,7 +3955,7 @@
           <p:cNvPr id="2" name="Title 1">
             <a:extLst>
               <a:ext uri="{FF2B5EF4-FFF2-40B4-BE49-F238E27FC236}">
-                <a16:creationId xmlns:a16="http://schemas.microsoft.com/office/drawing/2014/main" id="{CD2DFA2D-1757-27F5-F387-24B3B4D414B3}"/>
+                <a16:creationId xmlns:a16="http://schemas.microsoft.com/office/drawing/2014/main" id="{E8E89167-1A37-85DE-83C3-2D5D2FC041CA}"/>
               </a:ext>
             </a:extLst>
           </p:cNvPr>
@@ -3995,19 +3968,17 @@
         </p:nvSpPr>
         <p:spPr>
           <a:xfrm>
-            <a:off x="103910" y="0"/>
-            <a:ext cx="10515600" cy="521566"/>
+            <a:off x="339795" y="166255"/>
+            <a:ext cx="10515600" cy="1325563"/>
           </a:xfrm>
         </p:spPr>
         <p:txBody>
-          <a:bodyPr>
-            <a:normAutofit fontScale="90000"/>
-          </a:bodyPr>
+          <a:bodyPr/>
           <a:lstStyle/>
           <a:p>
             <a:r>
               <a:rPr lang="en-US" dirty="0"/>
-              <a:t>Higher-level clustering</a:t>
+              <a:t>Base clustering</a:t>
             </a:r>
           </a:p>
         </p:txBody>
@@ -4017,7 +3988,7 @@
           <p:cNvPr id="3" name="Content Placeholder 2">
             <a:extLst>
               <a:ext uri="{FF2B5EF4-FFF2-40B4-BE49-F238E27FC236}">
-                <a16:creationId xmlns:a16="http://schemas.microsoft.com/office/drawing/2014/main" id="{0BB353AE-C53F-9043-C6DE-0ED79A3606A9}"/>
+                <a16:creationId xmlns:a16="http://schemas.microsoft.com/office/drawing/2014/main" id="{74954AE2-2297-5BFA-D5A2-F8742F5655AF}"/>
               </a:ext>
             </a:extLst>
           </p:cNvPr>
@@ -4042,7 +4013,7 @@
           <p:cNvPr id="5" name="Picture 4">
             <a:extLst>
               <a:ext uri="{FF2B5EF4-FFF2-40B4-BE49-F238E27FC236}">
-                <a16:creationId xmlns:a16="http://schemas.microsoft.com/office/drawing/2014/main" id="{0EA9BEBF-65C6-E338-FBF6-4805B5AE0CDF}"/>
+                <a16:creationId xmlns:a16="http://schemas.microsoft.com/office/drawing/2014/main" id="{D20085D8-23B5-9F02-EF16-5545F475DA37}"/>
               </a:ext>
             </a:extLst>
           </p:cNvPr>
@@ -4059,8 +4030,8 @@
         </p:blipFill>
         <p:spPr>
           <a:xfrm>
-            <a:off x="220208" y="681037"/>
-            <a:ext cx="4307964" cy="6054436"/>
+            <a:off x="339795" y="1781175"/>
+            <a:ext cx="5867400" cy="4711700"/>
           </a:xfrm>
           <a:prstGeom prst="rect">
             <a:avLst/>
@@ -4072,7 +4043,7 @@
           <p:cNvPr id="6" name="Picture 5">
             <a:extLst>
               <a:ext uri="{FF2B5EF4-FFF2-40B4-BE49-F238E27FC236}">
-                <a16:creationId xmlns:a16="http://schemas.microsoft.com/office/drawing/2014/main" id="{BEB72CB8-96E4-D37B-E7C3-45DF82EBDEB4}"/>
+                <a16:creationId xmlns:a16="http://schemas.microsoft.com/office/drawing/2014/main" id="{0C48EDAD-08B2-539D-AE39-B0FA3BA40C12}"/>
               </a:ext>
             </a:extLst>
           </p:cNvPr>
@@ -4089,8 +4060,8 @@
         </p:blipFill>
         <p:spPr>
           <a:xfrm>
-            <a:off x="6989944" y="0"/>
-            <a:ext cx="4141857" cy="6858000"/>
+            <a:off x="6895536" y="387927"/>
+            <a:ext cx="5095215" cy="6303818"/>
           </a:xfrm>
           <a:prstGeom prst="rect">
             <a:avLst/>
@@ -4102,7 +4073,7 @@
           <p:cNvPr id="7" name="Slide Number Placeholder 6">
             <a:extLst>
               <a:ext uri="{FF2B5EF4-FFF2-40B4-BE49-F238E27FC236}">
-                <a16:creationId xmlns:a16="http://schemas.microsoft.com/office/drawing/2014/main" id="{24D84809-8258-234E-A2E5-23D2A70FFDB8}"/>
+                <a16:creationId xmlns:a16="http://schemas.microsoft.com/office/drawing/2014/main" id="{E485035C-9440-B0F1-2B49-2201E3E1EC77}"/>
               </a:ext>
             </a:extLst>
           </p:cNvPr>
@@ -4129,7 +4100,7 @@
     </p:spTree>
     <p:extLst>
       <p:ext uri="{BB962C8B-B14F-4D97-AF65-F5344CB8AC3E}">
-        <p14:creationId xmlns:p14="http://schemas.microsoft.com/office/powerpoint/2010/main" val="3383536619"/>
+        <p14:creationId xmlns:p14="http://schemas.microsoft.com/office/powerpoint/2010/main" val="1755441597"/>
       </p:ext>
     </p:extLst>
   </p:cSld>
@@ -4161,6 +4132,185 @@
           <p:cNvPr id="2" name="Title 1">
             <a:extLst>
               <a:ext uri="{FF2B5EF4-FFF2-40B4-BE49-F238E27FC236}">
+                <a16:creationId xmlns:a16="http://schemas.microsoft.com/office/drawing/2014/main" id="{CD2DFA2D-1757-27F5-F387-24B3B4D414B3}"/>
+              </a:ext>
+            </a:extLst>
+          </p:cNvPr>
+          <p:cNvSpPr>
+            <a:spLocks noGrp="1"/>
+          </p:cNvSpPr>
+          <p:nvPr>
+            <p:ph type="title"/>
+          </p:nvPr>
+        </p:nvSpPr>
+        <p:spPr>
+          <a:xfrm>
+            <a:off x="103910" y="0"/>
+            <a:ext cx="10515600" cy="521566"/>
+          </a:xfrm>
+        </p:spPr>
+        <p:txBody>
+          <a:bodyPr>
+            <a:normAutofit fontScale="90000"/>
+          </a:bodyPr>
+          <a:lstStyle/>
+          <a:p>
+            <a:r>
+              <a:rPr lang="en-US" dirty="0"/>
+              <a:t>Higher-level clustering</a:t>
+            </a:r>
+          </a:p>
+        </p:txBody>
+      </p:sp>
+      <p:sp>
+        <p:nvSpPr>
+          <p:cNvPr id="3" name="Content Placeholder 2">
+            <a:extLst>
+              <a:ext uri="{FF2B5EF4-FFF2-40B4-BE49-F238E27FC236}">
+                <a16:creationId xmlns:a16="http://schemas.microsoft.com/office/drawing/2014/main" id="{0BB353AE-C53F-9043-C6DE-0ED79A3606A9}"/>
+              </a:ext>
+            </a:extLst>
+          </p:cNvPr>
+          <p:cNvSpPr>
+            <a:spLocks noGrp="1"/>
+          </p:cNvSpPr>
+          <p:nvPr>
+            <p:ph idx="1"/>
+          </p:nvPr>
+        </p:nvSpPr>
+        <p:spPr/>
+        <p:txBody>
+          <a:bodyPr/>
+          <a:lstStyle/>
+          <a:p>
+            <a:endParaRPr lang="en-US"/>
+          </a:p>
+        </p:txBody>
+      </p:sp>
+      <p:pic>
+        <p:nvPicPr>
+          <p:cNvPr id="5" name="Picture 4">
+            <a:extLst>
+              <a:ext uri="{FF2B5EF4-FFF2-40B4-BE49-F238E27FC236}">
+                <a16:creationId xmlns:a16="http://schemas.microsoft.com/office/drawing/2014/main" id="{0EA9BEBF-65C6-E338-FBF6-4805B5AE0CDF}"/>
+              </a:ext>
+            </a:extLst>
+          </p:cNvPr>
+          <p:cNvPicPr>
+            <a:picLocks noChangeAspect="1"/>
+          </p:cNvPicPr>
+          <p:nvPr/>
+        </p:nvPicPr>
+        <p:blipFill>
+          <a:blip r:embed="rId2"/>
+          <a:stretch>
+            <a:fillRect/>
+          </a:stretch>
+        </p:blipFill>
+        <p:spPr>
+          <a:xfrm>
+            <a:off x="220208" y="681037"/>
+            <a:ext cx="4307964" cy="6054436"/>
+          </a:xfrm>
+          <a:prstGeom prst="rect">
+            <a:avLst/>
+          </a:prstGeom>
+        </p:spPr>
+      </p:pic>
+      <p:pic>
+        <p:nvPicPr>
+          <p:cNvPr id="6" name="Picture 5">
+            <a:extLst>
+              <a:ext uri="{FF2B5EF4-FFF2-40B4-BE49-F238E27FC236}">
+                <a16:creationId xmlns:a16="http://schemas.microsoft.com/office/drawing/2014/main" id="{BEB72CB8-96E4-D37B-E7C3-45DF82EBDEB4}"/>
+              </a:ext>
+            </a:extLst>
+          </p:cNvPr>
+          <p:cNvPicPr>
+            <a:picLocks noChangeAspect="1"/>
+          </p:cNvPicPr>
+          <p:nvPr/>
+        </p:nvPicPr>
+        <p:blipFill>
+          <a:blip r:embed="rId3"/>
+          <a:stretch>
+            <a:fillRect/>
+          </a:stretch>
+        </p:blipFill>
+        <p:spPr>
+          <a:xfrm>
+            <a:off x="6989944" y="0"/>
+            <a:ext cx="4141857" cy="6858000"/>
+          </a:xfrm>
+          <a:prstGeom prst="rect">
+            <a:avLst/>
+          </a:prstGeom>
+        </p:spPr>
+      </p:pic>
+      <p:sp>
+        <p:nvSpPr>
+          <p:cNvPr id="7" name="Slide Number Placeholder 6">
+            <a:extLst>
+              <a:ext uri="{FF2B5EF4-FFF2-40B4-BE49-F238E27FC236}">
+                <a16:creationId xmlns:a16="http://schemas.microsoft.com/office/drawing/2014/main" id="{24D84809-8258-234E-A2E5-23D2A70FFDB8}"/>
+              </a:ext>
+            </a:extLst>
+          </p:cNvPr>
+          <p:cNvSpPr>
+            <a:spLocks noGrp="1"/>
+          </p:cNvSpPr>
+          <p:nvPr>
+            <p:ph type="sldNum" sz="quarter" idx="12"/>
+          </p:nvPr>
+        </p:nvSpPr>
+        <p:spPr/>
+        <p:txBody>
+          <a:bodyPr/>
+          <a:lstStyle/>
+          <a:p>
+            <a:fld id="{8DA92383-653B-904A-8B81-EEE5ECD52C19}" type="slidenum">
+              <a:rPr lang="en-US" smtClean="0"/>
+              <a:t>12</a:t>
+            </a:fld>
+            <a:endParaRPr lang="en-US"/>
+          </a:p>
+        </p:txBody>
+      </p:sp>
+    </p:spTree>
+    <p:extLst>
+      <p:ext uri="{BB962C8B-B14F-4D97-AF65-F5344CB8AC3E}">
+        <p14:creationId xmlns:p14="http://schemas.microsoft.com/office/powerpoint/2010/main" val="3383536619"/>
+      </p:ext>
+    </p:extLst>
+  </p:cSld>
+  <p:clrMapOvr>
+    <a:masterClrMapping/>
+  </p:clrMapOvr>
+</p:sld>
+</file>
+
+<file path=ppt/slides/slide13.xml><?xml version="1.0" encoding="utf-8"?>
+<p:sld xmlns:a="http://schemas.openxmlformats.org/drawingml/2006/main" xmlns:r="http://schemas.openxmlformats.org/officeDocument/2006/relationships" xmlns:p="http://schemas.openxmlformats.org/presentationml/2006/main">
+  <p:cSld>
+    <p:spTree>
+      <p:nvGrpSpPr>
+        <p:cNvPr id="1" name=""/>
+        <p:cNvGrpSpPr/>
+        <p:nvPr/>
+      </p:nvGrpSpPr>
+      <p:grpSpPr>
+        <a:xfrm>
+          <a:off x="0" y="0"/>
+          <a:ext cx="0" cy="0"/>
+          <a:chOff x="0" y="0"/>
+          <a:chExt cx="0" cy="0"/>
+        </a:xfrm>
+      </p:grpSpPr>
+      <p:sp>
+        <p:nvSpPr>
+          <p:cNvPr id="2" name="Title 1">
+            <a:extLst>
+              <a:ext uri="{FF2B5EF4-FFF2-40B4-BE49-F238E27FC236}">
                 <a16:creationId xmlns:a16="http://schemas.microsoft.com/office/drawing/2014/main" id="{FA947E1C-6D50-7ECA-8FBA-9A2F83DE9883}"/>
               </a:ext>
             </a:extLst>
@@ -4239,7 +4389,7 @@
           <a:p>
             <a:fld id="{8DA92383-653B-904A-8B81-EEE5ECD52C19}" type="slidenum">
               <a:rPr lang="en-US" smtClean="0"/>
-              <a:t>12</a:t>
+              <a:t>13</a:t>
             </a:fld>
             <a:endParaRPr lang="en-US"/>
           </a:p>
@@ -4348,7 +4498,7 @@
 </p:sld>
 </file>
 
-<file path=ppt/slides/slide13.xml><?xml version="1.0" encoding="utf-8"?>
+<file path=ppt/slides/slide14.xml><?xml version="1.0" encoding="utf-8"?>
 <p:sld xmlns:a="http://schemas.openxmlformats.org/drawingml/2006/main" xmlns:r="http://schemas.openxmlformats.org/officeDocument/2006/relationships" xmlns:p="http://schemas.openxmlformats.org/presentationml/2006/main">
   <p:cSld>
     <p:spTree>
@@ -4448,7 +4598,7 @@
           <a:p>
             <a:fld id="{8DA92383-653B-904A-8B81-EEE5ECD52C19}" type="slidenum">
               <a:rPr lang="en-US" smtClean="0"/>
-              <a:t>13</a:t>
+              <a:t>14</a:t>
             </a:fld>
             <a:endParaRPr lang="en-US"/>
           </a:p>
@@ -4588,192 +4738,6 @@
     <p:extLst>
       <p:ext uri="{BB962C8B-B14F-4D97-AF65-F5344CB8AC3E}">
         <p14:creationId xmlns:p14="http://schemas.microsoft.com/office/powerpoint/2010/main" val="2691005510"/>
-      </p:ext>
-    </p:extLst>
-  </p:cSld>
-  <p:clrMapOvr>
-    <a:masterClrMapping/>
-  </p:clrMapOvr>
-</p:sld>
-</file>
-
-<file path=ppt/slides/slide14.xml><?xml version="1.0" encoding="utf-8"?>
-<p:sld xmlns:a="http://schemas.openxmlformats.org/drawingml/2006/main" xmlns:r="http://schemas.openxmlformats.org/officeDocument/2006/relationships" xmlns:p="http://schemas.openxmlformats.org/presentationml/2006/main">
-  <p:cSld>
-    <p:spTree>
-      <p:nvGrpSpPr>
-        <p:cNvPr id="1" name=""/>
-        <p:cNvGrpSpPr/>
-        <p:nvPr/>
-      </p:nvGrpSpPr>
-      <p:grpSpPr>
-        <a:xfrm>
-          <a:off x="0" y="0"/>
-          <a:ext cx="0" cy="0"/>
-          <a:chOff x="0" y="0"/>
-          <a:chExt cx="0" cy="0"/>
-        </a:xfrm>
-      </p:grpSpPr>
-      <p:sp>
-        <p:nvSpPr>
-          <p:cNvPr id="2" name="Title 1">
-            <a:extLst>
-              <a:ext uri="{FF2B5EF4-FFF2-40B4-BE49-F238E27FC236}">
-                <a16:creationId xmlns:a16="http://schemas.microsoft.com/office/drawing/2014/main" id="{0CBDBEFF-AD9F-F7F5-88CD-22740B092AB3}"/>
-              </a:ext>
-            </a:extLst>
-          </p:cNvPr>
-          <p:cNvSpPr>
-            <a:spLocks noGrp="1"/>
-          </p:cNvSpPr>
-          <p:nvPr>
-            <p:ph type="title"/>
-          </p:nvPr>
-        </p:nvSpPr>
-        <p:spPr/>
-        <p:txBody>
-          <a:bodyPr/>
-          <a:lstStyle/>
-          <a:p>
-            <a:r>
-              <a:rPr lang="en-US" dirty="0"/>
-              <a:t>References</a:t>
-            </a:r>
-          </a:p>
-        </p:txBody>
-      </p:sp>
-      <p:sp>
-        <p:nvSpPr>
-          <p:cNvPr id="3" name="Content Placeholder 2">
-            <a:extLst>
-              <a:ext uri="{FF2B5EF4-FFF2-40B4-BE49-F238E27FC236}">
-                <a16:creationId xmlns:a16="http://schemas.microsoft.com/office/drawing/2014/main" id="{F3C276C8-415A-A8C4-A098-8D5E068F3B74}"/>
-              </a:ext>
-            </a:extLst>
-          </p:cNvPr>
-          <p:cNvSpPr>
-            <a:spLocks noGrp="1"/>
-          </p:cNvSpPr>
-          <p:nvPr>
-            <p:ph idx="1"/>
-          </p:nvPr>
-        </p:nvSpPr>
-        <p:spPr/>
-        <p:txBody>
-          <a:bodyPr/>
-          <a:lstStyle/>
-          <a:p>
-            <a:pPr marL="0" indent="0">
-              <a:buNone/>
-            </a:pPr>
-            <a:r>
-              <a:rPr lang="en-US" sz="1800" dirty="0">
-                <a:effectLst/>
-                <a:latin typeface="NimbusSanL"/>
-              </a:rPr>
-              <a:t>Geoffrey McLachlan and </a:t>
-            </a:r>
-            <a:r>
-              <a:rPr lang="en-US" sz="1800" dirty="0" err="1">
-                <a:effectLst/>
-                <a:latin typeface="NimbusSanL"/>
-              </a:rPr>
-              <a:t>Thriyambakam</a:t>
-            </a:r>
-            <a:r>
-              <a:rPr lang="en-US" sz="1800" dirty="0">
-                <a:effectLst/>
-                <a:latin typeface="NimbusSanL"/>
-              </a:rPr>
-              <a:t> Krishnan, </a:t>
-            </a:r>
-            <a:r>
-              <a:rPr lang="en-US" sz="1800" i="1" dirty="0">
-                <a:effectLst/>
-                <a:latin typeface="NimbusSanL"/>
-              </a:rPr>
-              <a:t>The EM Algorithm and Extensions</a:t>
-            </a:r>
-            <a:r>
-              <a:rPr lang="en-US" sz="1800" dirty="0">
-                <a:effectLst/>
-                <a:latin typeface="NimbusSanL"/>
-              </a:rPr>
-              <a:t>, 2008 </a:t>
-            </a:r>
-          </a:p>
-          <a:p>
-            <a:pPr marL="0" indent="0">
-              <a:buNone/>
-            </a:pPr>
-            <a:r>
-              <a:rPr lang="en-US" sz="1800" dirty="0">
-                <a:effectLst/>
-                <a:latin typeface="NimbusSanL"/>
-              </a:rPr>
-              <a:t>Geoffrey McLachlan and David Peel, </a:t>
-            </a:r>
-            <a:r>
-              <a:rPr lang="en-US" sz="1800" i="1" dirty="0">
-                <a:effectLst/>
-                <a:latin typeface="NimbusSanL"/>
-              </a:rPr>
-              <a:t>Finite Mixture Models</a:t>
-            </a:r>
-            <a:r>
-              <a:rPr lang="en-US" sz="1800" dirty="0">
-                <a:effectLst/>
-                <a:latin typeface="NimbusSanL"/>
-              </a:rPr>
-              <a:t>, 2000 </a:t>
-            </a:r>
-          </a:p>
-          <a:p>
-            <a:pPr marL="0" indent="0">
-              <a:buNone/>
-            </a:pPr>
-            <a:endParaRPr lang="en-US" dirty="0">
-              <a:effectLst/>
-            </a:endParaRPr>
-          </a:p>
-          <a:p>
-            <a:endParaRPr lang="en-US" dirty="0"/>
-          </a:p>
-        </p:txBody>
-      </p:sp>
-      <p:sp>
-        <p:nvSpPr>
-          <p:cNvPr id="4" name="Slide Number Placeholder 3">
-            <a:extLst>
-              <a:ext uri="{FF2B5EF4-FFF2-40B4-BE49-F238E27FC236}">
-                <a16:creationId xmlns:a16="http://schemas.microsoft.com/office/drawing/2014/main" id="{3E17114A-7847-EEE0-9076-EF76486CC163}"/>
-              </a:ext>
-            </a:extLst>
-          </p:cNvPr>
-          <p:cNvSpPr>
-            <a:spLocks noGrp="1"/>
-          </p:cNvSpPr>
-          <p:nvPr>
-            <p:ph type="sldNum" sz="quarter" idx="12"/>
-          </p:nvPr>
-        </p:nvSpPr>
-        <p:spPr/>
-        <p:txBody>
-          <a:bodyPr/>
-          <a:lstStyle/>
-          <a:p>
-            <a:fld id="{8DA92383-653B-904A-8B81-EEE5ECD52C19}" type="slidenum">
-              <a:rPr lang="en-US" smtClean="0"/>
-              <a:t>14</a:t>
-            </a:fld>
-            <a:endParaRPr lang="en-US"/>
-          </a:p>
-        </p:txBody>
-      </p:sp>
-    </p:spTree>
-    <p:extLst>
-      <p:ext uri="{BB962C8B-B14F-4D97-AF65-F5344CB8AC3E}">
-        <p14:creationId xmlns:p14="http://schemas.microsoft.com/office/powerpoint/2010/main" val="2024434147"/>
       </p:ext>
     </p:extLst>
   </p:cSld>
@@ -4805,6 +4769,234 @@
           <p:cNvPr id="2" name="Title 1">
             <a:extLst>
               <a:ext uri="{FF2B5EF4-FFF2-40B4-BE49-F238E27FC236}">
+                <a16:creationId xmlns:a16="http://schemas.microsoft.com/office/drawing/2014/main" id="{0CBDBEFF-AD9F-F7F5-88CD-22740B092AB3}"/>
+              </a:ext>
+            </a:extLst>
+          </p:cNvPr>
+          <p:cNvSpPr>
+            <a:spLocks noGrp="1"/>
+          </p:cNvSpPr>
+          <p:nvPr>
+            <p:ph type="title"/>
+          </p:nvPr>
+        </p:nvSpPr>
+        <p:spPr/>
+        <p:txBody>
+          <a:bodyPr/>
+          <a:lstStyle/>
+          <a:p>
+            <a:r>
+              <a:rPr lang="en-US" dirty="0"/>
+              <a:t>References</a:t>
+            </a:r>
+          </a:p>
+        </p:txBody>
+      </p:sp>
+      <p:sp>
+        <p:nvSpPr>
+          <p:cNvPr id="3" name="Content Placeholder 2">
+            <a:extLst>
+              <a:ext uri="{FF2B5EF4-FFF2-40B4-BE49-F238E27FC236}">
+                <a16:creationId xmlns:a16="http://schemas.microsoft.com/office/drawing/2014/main" id="{F3C276C8-415A-A8C4-A098-8D5E068F3B74}"/>
+              </a:ext>
+            </a:extLst>
+          </p:cNvPr>
+          <p:cNvSpPr>
+            <a:spLocks noGrp="1"/>
+          </p:cNvSpPr>
+          <p:nvPr>
+            <p:ph idx="1"/>
+          </p:nvPr>
+        </p:nvSpPr>
+        <p:spPr/>
+        <p:txBody>
+          <a:bodyPr/>
+          <a:lstStyle/>
+          <a:p>
+            <a:pPr marL="0" indent="0">
+              <a:buNone/>
+            </a:pPr>
+            <a:r>
+              <a:rPr lang="en-US" sz="1800" dirty="0">
+                <a:effectLst/>
+              </a:rPr>
+              <a:t>Geoffrey McLachlan and </a:t>
+            </a:r>
+            <a:r>
+              <a:rPr lang="en-US" sz="1800" dirty="0" err="1">
+                <a:effectLst/>
+              </a:rPr>
+              <a:t>Thriyambakam</a:t>
+            </a:r>
+            <a:r>
+              <a:rPr lang="en-US" sz="1800" dirty="0">
+                <a:effectLst/>
+              </a:rPr>
+              <a:t> Krishnan, </a:t>
+            </a:r>
+            <a:r>
+              <a:rPr lang="en-US" sz="1800" i="1" dirty="0">
+                <a:effectLst/>
+              </a:rPr>
+              <a:t>The EM Algorithm and Extensions</a:t>
+            </a:r>
+            <a:r>
+              <a:rPr lang="en-US" sz="1800" dirty="0">
+                <a:effectLst/>
+              </a:rPr>
+              <a:t>, 2008 </a:t>
+            </a:r>
+          </a:p>
+          <a:p>
+            <a:pPr marL="0" indent="0">
+              <a:buNone/>
+            </a:pPr>
+            <a:r>
+              <a:rPr lang="en-US" sz="1800" dirty="0">
+                <a:effectLst/>
+              </a:rPr>
+              <a:t>Geoffrey McLachlan and David Peel, </a:t>
+            </a:r>
+            <a:r>
+              <a:rPr lang="en-US" sz="1800" i="1" dirty="0">
+                <a:effectLst/>
+              </a:rPr>
+              <a:t>Finite Mixture Models</a:t>
+            </a:r>
+            <a:r>
+              <a:rPr lang="en-US" sz="1800" dirty="0">
+                <a:effectLst/>
+              </a:rPr>
+              <a:t>, 2000 </a:t>
+            </a:r>
+          </a:p>
+          <a:p>
+            <a:pPr marL="0" indent="0">
+              <a:buNone/>
+            </a:pPr>
+            <a:r>
+              <a:rPr lang="en-US" sz="1800" dirty="0" err="1">
+                <a:effectLst/>
+              </a:rPr>
+              <a:t>Sergios</a:t>
+            </a:r>
+            <a:r>
+              <a:rPr lang="en-US" sz="1800" dirty="0">
+                <a:effectLst/>
+              </a:rPr>
+              <a:t> Theodoridis, Konstantinos </a:t>
+            </a:r>
+            <a:r>
+              <a:rPr lang="en-US" sz="1800" dirty="0" err="1">
+                <a:effectLst/>
+              </a:rPr>
+              <a:t>Koutroumbas</a:t>
+            </a:r>
+            <a:r>
+              <a:rPr lang="en-US" sz="1800" dirty="0">
+                <a:effectLst/>
+              </a:rPr>
+              <a:t> </a:t>
+            </a:r>
+            <a:r>
+              <a:rPr lang="en-US" sz="1800" i="1" dirty="0">
+                <a:effectLst/>
+              </a:rPr>
+              <a:t>Pattern Recognition</a:t>
+            </a:r>
+            <a:r>
+              <a:rPr lang="en-US" sz="1800" dirty="0">
+                <a:effectLst/>
+              </a:rPr>
+              <a:t>, fourth Edition, Elsevier. 2008</a:t>
+            </a:r>
+          </a:p>
+          <a:p>
+            <a:pPr marL="0" indent="0">
+              <a:buNone/>
+            </a:pPr>
+            <a:r>
+              <a:rPr lang="en-US" sz="1800" dirty="0" err="1">
+                <a:effectLst/>
+              </a:rPr>
+              <a:t>Charu</a:t>
+            </a:r>
+            <a:r>
+              <a:rPr lang="en-US" sz="1800" dirty="0">
+                <a:effectLst/>
+              </a:rPr>
+              <a:t> Aggarwal, Chandan Reddy, Data Clustering: Algorithms and Applications, Chapman &amp; Hall/CRC , 2013</a:t>
+            </a:r>
+          </a:p>
+          <a:p>
+            <a:endParaRPr lang="en-US" dirty="0"/>
+          </a:p>
+        </p:txBody>
+      </p:sp>
+      <p:sp>
+        <p:nvSpPr>
+          <p:cNvPr id="4" name="Slide Number Placeholder 3">
+            <a:extLst>
+              <a:ext uri="{FF2B5EF4-FFF2-40B4-BE49-F238E27FC236}">
+                <a16:creationId xmlns:a16="http://schemas.microsoft.com/office/drawing/2014/main" id="{3E17114A-7847-EEE0-9076-EF76486CC163}"/>
+              </a:ext>
+            </a:extLst>
+          </p:cNvPr>
+          <p:cNvSpPr>
+            <a:spLocks noGrp="1"/>
+          </p:cNvSpPr>
+          <p:nvPr>
+            <p:ph type="sldNum" sz="quarter" idx="12"/>
+          </p:nvPr>
+        </p:nvSpPr>
+        <p:spPr/>
+        <p:txBody>
+          <a:bodyPr/>
+          <a:lstStyle/>
+          <a:p>
+            <a:fld id="{8DA92383-653B-904A-8B81-EEE5ECD52C19}" type="slidenum">
+              <a:rPr lang="en-US" smtClean="0"/>
+              <a:t>15</a:t>
+            </a:fld>
+            <a:endParaRPr lang="en-US"/>
+          </a:p>
+        </p:txBody>
+      </p:sp>
+    </p:spTree>
+    <p:extLst>
+      <p:ext uri="{BB962C8B-B14F-4D97-AF65-F5344CB8AC3E}">
+        <p14:creationId xmlns:p14="http://schemas.microsoft.com/office/powerpoint/2010/main" val="2024434147"/>
+      </p:ext>
+    </p:extLst>
+  </p:cSld>
+  <p:clrMapOvr>
+    <a:masterClrMapping/>
+  </p:clrMapOvr>
+</p:sld>
+</file>
+
+<file path=ppt/slides/slide16.xml><?xml version="1.0" encoding="utf-8"?>
+<p:sld xmlns:a="http://schemas.openxmlformats.org/drawingml/2006/main" xmlns:r="http://schemas.openxmlformats.org/officeDocument/2006/relationships" xmlns:p="http://schemas.openxmlformats.org/presentationml/2006/main">
+  <p:cSld>
+    <p:spTree>
+      <p:nvGrpSpPr>
+        <p:cNvPr id="1" name=""/>
+        <p:cNvGrpSpPr/>
+        <p:nvPr/>
+      </p:nvGrpSpPr>
+      <p:grpSpPr>
+        <a:xfrm>
+          <a:off x="0" y="0"/>
+          <a:ext cx="0" cy="0"/>
+          <a:chOff x="0" y="0"/>
+          <a:chExt cx="0" cy="0"/>
+        </a:xfrm>
+      </p:grpSpPr>
+      <p:sp>
+        <p:nvSpPr>
+          <p:cNvPr id="2" name="Title 1">
+            <a:extLst>
+              <a:ext uri="{FF2B5EF4-FFF2-40B4-BE49-F238E27FC236}">
                 <a16:creationId xmlns:a16="http://schemas.microsoft.com/office/drawing/2014/main" id="{4F15963F-57D2-DA0A-30BA-D086548163A7}"/>
               </a:ext>
             </a:extLst>
@@ -4883,7 +5075,7 @@
           <a:p>
             <a:fld id="{8DA92383-653B-904A-8B81-EEE5ECD52C19}" type="slidenum">
               <a:rPr lang="en-US" smtClean="0"/>
-              <a:t>15</a:t>
+              <a:t>16</a:t>
             </a:fld>
             <a:endParaRPr lang="en-US"/>
           </a:p>
@@ -5722,7 +5914,7 @@
           <p:cNvPr id="2" name="Title 1">
             <a:extLst>
               <a:ext uri="{FF2B5EF4-FFF2-40B4-BE49-F238E27FC236}">
-                <a16:creationId xmlns:a16="http://schemas.microsoft.com/office/drawing/2014/main" id="{E72B8FC9-1772-47BE-3659-A89131F5878C}"/>
+                <a16:creationId xmlns:a16="http://schemas.microsoft.com/office/drawing/2014/main" id="{D7083AAE-6E26-ED77-BFBA-2166C05FEA15}"/>
               </a:ext>
             </a:extLst>
           </p:cNvPr>
@@ -5735,8 +5927,8 @@
         </p:nvSpPr>
         <p:spPr>
           <a:xfrm>
-            <a:off x="0" y="0"/>
-            <a:ext cx="10515600" cy="507234"/>
+            <a:off x="311727" y="136525"/>
+            <a:ext cx="10515600" cy="618548"/>
           </a:xfrm>
         </p:spPr>
         <p:txBody>
@@ -5747,7 +5939,7 @@
           <a:p>
             <a:r>
               <a:rPr lang="en-US" dirty="0"/>
-              <a:t>K-means</a:t>
+              <a:t>Setup </a:t>
             </a:r>
           </a:p>
         </p:txBody>
@@ -5757,7 +5949,7 @@
           <p:cNvPr id="3" name="Content Placeholder 2">
             <a:extLst>
               <a:ext uri="{FF2B5EF4-FFF2-40B4-BE49-F238E27FC236}">
-                <a16:creationId xmlns:a16="http://schemas.microsoft.com/office/drawing/2014/main" id="{DFF66158-B693-3302-D2FF-EEFDD9D56C12}"/>
+                <a16:creationId xmlns:a16="http://schemas.microsoft.com/office/drawing/2014/main" id="{39C92B8B-8FF5-3B14-3022-89CB1C304E66}"/>
               </a:ext>
             </a:extLst>
           </p:cNvPr>
@@ -5773,6 +5965,35 @@
           <a:bodyPr/>
           <a:lstStyle/>
           <a:p>
+            <a:endParaRPr lang="en-US"/>
+          </a:p>
+        </p:txBody>
+      </p:sp>
+      <p:sp>
+        <p:nvSpPr>
+          <p:cNvPr id="4" name="Slide Number Placeholder 3">
+            <a:extLst>
+              <a:ext uri="{FF2B5EF4-FFF2-40B4-BE49-F238E27FC236}">
+                <a16:creationId xmlns:a16="http://schemas.microsoft.com/office/drawing/2014/main" id="{3F88CACB-DAF1-38CA-1747-740EFA38F460}"/>
+              </a:ext>
+            </a:extLst>
+          </p:cNvPr>
+          <p:cNvSpPr>
+            <a:spLocks noGrp="1"/>
+          </p:cNvSpPr>
+          <p:nvPr>
+            <p:ph type="sldNum" sz="quarter" idx="12"/>
+          </p:nvPr>
+        </p:nvSpPr>
+        <p:spPr/>
+        <p:txBody>
+          <a:bodyPr/>
+          <a:lstStyle/>
+          <a:p>
+            <a:fld id="{8DA92383-653B-904A-8B81-EEE5ECD52C19}" type="slidenum">
+              <a:rPr lang="en-US" smtClean="0"/>
+              <a:t>6</a:t>
+            </a:fld>
             <a:endParaRPr lang="en-US"/>
           </a:p>
         </p:txBody>
@@ -5782,7 +6003,7 @@
           <p:cNvPr id="5" name="Picture 4">
             <a:extLst>
               <a:ext uri="{FF2B5EF4-FFF2-40B4-BE49-F238E27FC236}">
-                <a16:creationId xmlns:a16="http://schemas.microsoft.com/office/drawing/2014/main" id="{C50B4E9F-1EB1-1480-2670-954E7163A92B}"/>
+                <a16:creationId xmlns:a16="http://schemas.microsoft.com/office/drawing/2014/main" id="{14ADD3FB-AFAF-1B50-FDD0-454B735ABCD4}"/>
               </a:ext>
             </a:extLst>
           </p:cNvPr>
@@ -5799,77 +6020,18 @@
         </p:blipFill>
         <p:spPr>
           <a:xfrm>
-            <a:off x="173181" y="1599805"/>
-            <a:ext cx="5630979" cy="4091258"/>
+            <a:off x="311727" y="1528803"/>
+            <a:ext cx="11497999" cy="4351338"/>
           </a:xfrm>
           <a:prstGeom prst="rect">
             <a:avLst/>
           </a:prstGeom>
         </p:spPr>
       </p:pic>
-      <p:pic>
-        <p:nvPicPr>
-          <p:cNvPr id="6" name="Picture 5">
-            <a:extLst>
-              <a:ext uri="{FF2B5EF4-FFF2-40B4-BE49-F238E27FC236}">
-                <a16:creationId xmlns:a16="http://schemas.microsoft.com/office/drawing/2014/main" id="{05E58D4E-B806-6135-1552-13736AFFCD93}"/>
-              </a:ext>
-            </a:extLst>
-          </p:cNvPr>
-          <p:cNvPicPr>
-            <a:picLocks noChangeAspect="1"/>
-          </p:cNvPicPr>
-          <p:nvPr/>
-        </p:nvPicPr>
-        <p:blipFill>
-          <a:blip r:embed="rId3"/>
-          <a:stretch>
-            <a:fillRect/>
-          </a:stretch>
-        </p:blipFill>
-        <p:spPr>
-          <a:xfrm>
-            <a:off x="6469179" y="1695349"/>
-            <a:ext cx="5064609" cy="3900170"/>
-          </a:xfrm>
-          <a:prstGeom prst="rect">
-            <a:avLst/>
-          </a:prstGeom>
-        </p:spPr>
-      </p:pic>
-      <p:sp>
-        <p:nvSpPr>
-          <p:cNvPr id="7" name="Slide Number Placeholder 6">
-            <a:extLst>
-              <a:ext uri="{FF2B5EF4-FFF2-40B4-BE49-F238E27FC236}">
-                <a16:creationId xmlns:a16="http://schemas.microsoft.com/office/drawing/2014/main" id="{F742E88C-A63D-65E2-7845-40DC51A594E8}"/>
-              </a:ext>
-            </a:extLst>
-          </p:cNvPr>
-          <p:cNvSpPr>
-            <a:spLocks noGrp="1"/>
-          </p:cNvSpPr>
-          <p:nvPr>
-            <p:ph type="sldNum" sz="quarter" idx="12"/>
-          </p:nvPr>
-        </p:nvSpPr>
-        <p:spPr/>
-        <p:txBody>
-          <a:bodyPr/>
-          <a:lstStyle/>
-          <a:p>
-            <a:fld id="{8DA92383-653B-904A-8B81-EEE5ECD52C19}" type="slidenum">
-              <a:rPr lang="en-US" smtClean="0"/>
-              <a:t>6</a:t>
-            </a:fld>
-            <a:endParaRPr lang="en-US"/>
-          </a:p>
-        </p:txBody>
-      </p:sp>
     </p:spTree>
     <p:extLst>
       <p:ext uri="{BB962C8B-B14F-4D97-AF65-F5344CB8AC3E}">
-        <p14:creationId xmlns:p14="http://schemas.microsoft.com/office/powerpoint/2010/main" val="2274114980"/>
+        <p14:creationId xmlns:p14="http://schemas.microsoft.com/office/powerpoint/2010/main" val="3155402805"/>
       </p:ext>
     </p:extLst>
   </p:cSld>
@@ -5901,7 +6063,7 @@
           <p:cNvPr id="2" name="Title 1">
             <a:extLst>
               <a:ext uri="{FF2B5EF4-FFF2-40B4-BE49-F238E27FC236}">
-                <a16:creationId xmlns:a16="http://schemas.microsoft.com/office/drawing/2014/main" id="{D2007AD4-E1EB-742C-04EC-551474975DEE}"/>
+                <a16:creationId xmlns:a16="http://schemas.microsoft.com/office/drawing/2014/main" id="{E72B8FC9-1772-47BE-3659-A89131F5878C}"/>
               </a:ext>
             </a:extLst>
           </p:cNvPr>
@@ -5912,14 +6074,21 @@
             <p:ph type="title"/>
           </p:nvPr>
         </p:nvSpPr>
-        <p:spPr/>
-        <p:txBody>
-          <a:bodyPr/>
+        <p:spPr>
+          <a:xfrm>
+            <a:off x="0" y="0"/>
+            <a:ext cx="10515600" cy="507234"/>
+          </a:xfrm>
+        </p:spPr>
+        <p:txBody>
+          <a:bodyPr>
+            <a:normAutofit fontScale="90000"/>
+          </a:bodyPr>
           <a:lstStyle/>
           <a:p>
             <a:r>
               <a:rPr lang="en-US" dirty="0"/>
-              <a:t>K-means limitations</a:t>
+              <a:t>K-means</a:t>
             </a:r>
           </a:p>
         </p:txBody>
@@ -5929,7 +6098,7 @@
           <p:cNvPr id="3" name="Content Placeholder 2">
             <a:extLst>
               <a:ext uri="{FF2B5EF4-FFF2-40B4-BE49-F238E27FC236}">
-                <a16:creationId xmlns:a16="http://schemas.microsoft.com/office/drawing/2014/main" id="{EC2B66F2-FBE4-5B33-3077-36ECFF694F81}"/>
+                <a16:creationId xmlns:a16="http://schemas.microsoft.com/office/drawing/2014/main" id="{DFF66158-B693-3302-D2FF-EEFDD9D56C12}"/>
               </a:ext>
             </a:extLst>
           </p:cNvPr>
@@ -5945,25 +6114,76 @@
           <a:bodyPr/>
           <a:lstStyle/>
           <a:p>
-            <a:r>
-              <a:rPr lang="en-US" dirty="0"/>
-              <a:t>The algorithm requires an user-set number of clusters K, which is not necessarily optimal a priori</a:t>
-            </a:r>
-          </a:p>
-          <a:p>
-            <a:r>
-              <a:rPr lang="en-US" dirty="0"/>
-              <a:t>The initialization is random, and hence the effectiveness of the algorithm can be similarly random </a:t>
-            </a:r>
-          </a:p>
-        </p:txBody>
-      </p:sp>
-      <p:sp>
-        <p:nvSpPr>
-          <p:cNvPr id="4" name="Slide Number Placeholder 3">
-            <a:extLst>
-              <a:ext uri="{FF2B5EF4-FFF2-40B4-BE49-F238E27FC236}">
-                <a16:creationId xmlns:a16="http://schemas.microsoft.com/office/drawing/2014/main" id="{0E769DBC-3145-BA4A-00E7-026518A7A35F}"/>
+            <a:endParaRPr lang="en-US"/>
+          </a:p>
+        </p:txBody>
+      </p:sp>
+      <p:pic>
+        <p:nvPicPr>
+          <p:cNvPr id="5" name="Picture 4">
+            <a:extLst>
+              <a:ext uri="{FF2B5EF4-FFF2-40B4-BE49-F238E27FC236}">
+                <a16:creationId xmlns:a16="http://schemas.microsoft.com/office/drawing/2014/main" id="{C50B4E9F-1EB1-1480-2670-954E7163A92B}"/>
+              </a:ext>
+            </a:extLst>
+          </p:cNvPr>
+          <p:cNvPicPr>
+            <a:picLocks noChangeAspect="1"/>
+          </p:cNvPicPr>
+          <p:nvPr/>
+        </p:nvPicPr>
+        <p:blipFill>
+          <a:blip r:embed="rId2"/>
+          <a:stretch>
+            <a:fillRect/>
+          </a:stretch>
+        </p:blipFill>
+        <p:spPr>
+          <a:xfrm>
+            <a:off x="173181" y="1599805"/>
+            <a:ext cx="5630979" cy="4091258"/>
+          </a:xfrm>
+          <a:prstGeom prst="rect">
+            <a:avLst/>
+          </a:prstGeom>
+        </p:spPr>
+      </p:pic>
+      <p:pic>
+        <p:nvPicPr>
+          <p:cNvPr id="6" name="Picture 5">
+            <a:extLst>
+              <a:ext uri="{FF2B5EF4-FFF2-40B4-BE49-F238E27FC236}">
+                <a16:creationId xmlns:a16="http://schemas.microsoft.com/office/drawing/2014/main" id="{05E58D4E-B806-6135-1552-13736AFFCD93}"/>
+              </a:ext>
+            </a:extLst>
+          </p:cNvPr>
+          <p:cNvPicPr>
+            <a:picLocks noChangeAspect="1"/>
+          </p:cNvPicPr>
+          <p:nvPr/>
+        </p:nvPicPr>
+        <p:blipFill>
+          <a:blip r:embed="rId3"/>
+          <a:stretch>
+            <a:fillRect/>
+          </a:stretch>
+        </p:blipFill>
+        <p:spPr>
+          <a:xfrm>
+            <a:off x="6469179" y="1695349"/>
+            <a:ext cx="5064609" cy="3900170"/>
+          </a:xfrm>
+          <a:prstGeom prst="rect">
+            <a:avLst/>
+          </a:prstGeom>
+        </p:spPr>
+      </p:pic>
+      <p:sp>
+        <p:nvSpPr>
+          <p:cNvPr id="7" name="Slide Number Placeholder 6">
+            <a:extLst>
+              <a:ext uri="{FF2B5EF4-FFF2-40B4-BE49-F238E27FC236}">
+                <a16:creationId xmlns:a16="http://schemas.microsoft.com/office/drawing/2014/main" id="{F742E88C-A63D-65E2-7845-40DC51A594E8}"/>
               </a:ext>
             </a:extLst>
           </p:cNvPr>
@@ -5990,7 +6210,7 @@
     </p:spTree>
     <p:extLst>
       <p:ext uri="{BB962C8B-B14F-4D97-AF65-F5344CB8AC3E}">
-        <p14:creationId xmlns:p14="http://schemas.microsoft.com/office/powerpoint/2010/main" val="3770821376"/>
+        <p14:creationId xmlns:p14="http://schemas.microsoft.com/office/powerpoint/2010/main" val="2274114980"/>
       </p:ext>
     </p:extLst>
   </p:cSld>
@@ -6022,7 +6242,7 @@
           <p:cNvPr id="2" name="Title 1">
             <a:extLst>
               <a:ext uri="{FF2B5EF4-FFF2-40B4-BE49-F238E27FC236}">
-                <a16:creationId xmlns:a16="http://schemas.microsoft.com/office/drawing/2014/main" id="{1C369583-EC88-EF05-3258-773CF1B4EAD0}"/>
+                <a16:creationId xmlns:a16="http://schemas.microsoft.com/office/drawing/2014/main" id="{D2007AD4-E1EB-742C-04EC-551474975DEE}"/>
               </a:ext>
             </a:extLst>
           </p:cNvPr>
@@ -6033,21 +6253,14 @@
             <p:ph type="title"/>
           </p:nvPr>
         </p:nvSpPr>
-        <p:spPr>
-          <a:xfrm>
-            <a:off x="218090" y="136525"/>
-            <a:ext cx="10515600" cy="423151"/>
-          </a:xfrm>
-        </p:spPr>
-        <p:txBody>
-          <a:bodyPr>
-            <a:normAutofit fontScale="90000"/>
-          </a:bodyPr>
+        <p:spPr/>
+        <p:txBody>
+          <a:bodyPr/>
           <a:lstStyle/>
           <a:p>
             <a:r>
               <a:rPr lang="en-US" dirty="0"/>
-              <a:t>The Elbow method</a:t>
+              <a:t>K-means limitations</a:t>
             </a:r>
           </a:p>
         </p:txBody>
@@ -6057,7 +6270,7 @@
           <p:cNvPr id="3" name="Content Placeholder 2">
             <a:extLst>
               <a:ext uri="{FF2B5EF4-FFF2-40B4-BE49-F238E27FC236}">
-                <a16:creationId xmlns:a16="http://schemas.microsoft.com/office/drawing/2014/main" id="{5A57EA06-EEB8-F297-67D7-B7EFF9DFF2AD}"/>
+                <a16:creationId xmlns:a16="http://schemas.microsoft.com/office/drawing/2014/main" id="{EC2B66F2-FBE4-5B33-3077-36ECFF694F81}"/>
               </a:ext>
             </a:extLst>
           </p:cNvPr>
@@ -6073,7 +6286,16 @@
           <a:bodyPr/>
           <a:lstStyle/>
           <a:p>
-            <a:endParaRPr lang="en-US"/>
+            <a:r>
+              <a:rPr lang="en-US" dirty="0"/>
+              <a:t>The algorithm requires an user-set number of clusters K, which is not necessarily optimal a priori</a:t>
+            </a:r>
+          </a:p>
+          <a:p>
+            <a:r>
+              <a:rPr lang="en-US" dirty="0"/>
+              <a:t>The initialization is random, and hence the effectiveness of the algorithm can be similarly random </a:t>
+            </a:r>
           </a:p>
         </p:txBody>
       </p:sp>
@@ -6082,7 +6304,7 @@
           <p:cNvPr id="4" name="Slide Number Placeholder 3">
             <a:extLst>
               <a:ext uri="{FF2B5EF4-FFF2-40B4-BE49-F238E27FC236}">
-                <a16:creationId xmlns:a16="http://schemas.microsoft.com/office/drawing/2014/main" id="{F84D02A1-F468-D755-565B-E052A2F74BC1}"/>
+                <a16:creationId xmlns:a16="http://schemas.microsoft.com/office/drawing/2014/main" id="{0E769DBC-3145-BA4A-00E7-026518A7A35F}"/>
               </a:ext>
             </a:extLst>
           </p:cNvPr>
@@ -6106,146 +6328,10 @@
           </a:p>
         </p:txBody>
       </p:sp>
-      <p:pic>
-        <p:nvPicPr>
-          <p:cNvPr id="5" name="Picture 4">
-            <a:extLst>
-              <a:ext uri="{FF2B5EF4-FFF2-40B4-BE49-F238E27FC236}">
-                <a16:creationId xmlns:a16="http://schemas.microsoft.com/office/drawing/2014/main" id="{33634B67-C524-6F76-BF2B-B27D688CE634}"/>
-              </a:ext>
-            </a:extLst>
-          </p:cNvPr>
-          <p:cNvPicPr>
-            <a:picLocks noChangeAspect="1"/>
-          </p:cNvPicPr>
-          <p:nvPr/>
-        </p:nvPicPr>
-        <p:blipFill>
-          <a:blip r:embed="rId2"/>
-          <a:stretch>
-            <a:fillRect/>
-          </a:stretch>
-        </p:blipFill>
-        <p:spPr>
-          <a:xfrm>
-            <a:off x="249144" y="681037"/>
-            <a:ext cx="5226746" cy="5298592"/>
-          </a:xfrm>
-          <a:prstGeom prst="rect">
-            <a:avLst/>
-          </a:prstGeom>
-        </p:spPr>
-      </p:pic>
-      <p:sp>
-        <p:nvSpPr>
-          <p:cNvPr id="6" name="TextBox 5">
-            <a:extLst>
-              <a:ext uri="{FF2B5EF4-FFF2-40B4-BE49-F238E27FC236}">
-                <a16:creationId xmlns:a16="http://schemas.microsoft.com/office/drawing/2014/main" id="{63FEE73E-05D7-2C5D-6264-B4749774CF5D}"/>
-              </a:ext>
-            </a:extLst>
-          </p:cNvPr>
-          <p:cNvSpPr txBox="1"/>
-          <p:nvPr/>
-        </p:nvSpPr>
-        <p:spPr>
-          <a:xfrm>
-            <a:off x="1288473" y="6176963"/>
-            <a:ext cx="808042" cy="369332"/>
-          </a:xfrm>
-          <a:prstGeom prst="rect">
-            <a:avLst/>
-          </a:prstGeom>
-          <a:noFill/>
-        </p:spPr>
-        <p:txBody>
-          <a:bodyPr wrap="none" rtlCol="0">
-            <a:spAutoFit/>
-          </a:bodyPr>
-          <a:lstStyle/>
-          <a:p>
-            <a:r>
-              <a:rPr lang="en-US" dirty="0">
-                <a:hlinkClick r:id="rId3"/>
-              </a:rPr>
-              <a:t>source</a:t>
-            </a:r>
-            <a:endParaRPr lang="en-US" dirty="0"/>
-          </a:p>
-        </p:txBody>
-      </p:sp>
-      <p:pic>
-        <p:nvPicPr>
-          <p:cNvPr id="7" name="Picture 6">
-            <a:extLst>
-              <a:ext uri="{FF2B5EF4-FFF2-40B4-BE49-F238E27FC236}">
-                <a16:creationId xmlns:a16="http://schemas.microsoft.com/office/drawing/2014/main" id="{CB9ECD63-BA0B-DBDD-6096-18B4CBFB235F}"/>
-              </a:ext>
-            </a:extLst>
-          </p:cNvPr>
-          <p:cNvPicPr>
-            <a:picLocks noChangeAspect="1"/>
-          </p:cNvPicPr>
-          <p:nvPr/>
-        </p:nvPicPr>
-        <p:blipFill>
-          <a:blip r:embed="rId4"/>
-          <a:stretch>
-            <a:fillRect/>
-          </a:stretch>
-        </p:blipFill>
-        <p:spPr>
-          <a:xfrm>
-            <a:off x="6064946" y="559676"/>
-            <a:ext cx="5493327" cy="4235925"/>
-          </a:xfrm>
-          <a:prstGeom prst="rect">
-            <a:avLst/>
-          </a:prstGeom>
-        </p:spPr>
-      </p:pic>
-      <p:sp>
-        <p:nvSpPr>
-          <p:cNvPr id="8" name="TextBox 7">
-            <a:extLst>
-              <a:ext uri="{FF2B5EF4-FFF2-40B4-BE49-F238E27FC236}">
-                <a16:creationId xmlns:a16="http://schemas.microsoft.com/office/drawing/2014/main" id="{53BEBCF0-147F-E1F6-56FA-FCB24D3B29DF}"/>
-              </a:ext>
-            </a:extLst>
-          </p:cNvPr>
-          <p:cNvSpPr txBox="1"/>
-          <p:nvPr/>
-        </p:nvSpPr>
-        <p:spPr>
-          <a:xfrm>
-            <a:off x="8811609" y="5209309"/>
-            <a:ext cx="808042" cy="369332"/>
-          </a:xfrm>
-          <a:prstGeom prst="rect">
-            <a:avLst/>
-          </a:prstGeom>
-          <a:noFill/>
-        </p:spPr>
-        <p:txBody>
-          <a:bodyPr wrap="none" rtlCol="0">
-            <a:spAutoFit/>
-          </a:bodyPr>
-          <a:lstStyle/>
-          <a:p>
-            <a:r>
-              <a:rPr lang="en-US" dirty="0">
-                <a:hlinkClick r:id="rId5"/>
-              </a:rPr>
-              <a:t>source</a:t>
-            </a:r>
-            <a:endParaRPr lang="en-US" dirty="0"/>
-          </a:p>
-        </p:txBody>
-      </p:sp>
     </p:spTree>
     <p:extLst>
       <p:ext uri="{BB962C8B-B14F-4D97-AF65-F5344CB8AC3E}">
-        <p14:creationId xmlns:p14="http://schemas.microsoft.com/office/powerpoint/2010/main" val="3993587703"/>
+        <p14:creationId xmlns:p14="http://schemas.microsoft.com/office/powerpoint/2010/main" val="3770821376"/>
       </p:ext>
     </p:extLst>
   </p:cSld>
@@ -6277,7 +6363,7 @@
           <p:cNvPr id="2" name="Title 1">
             <a:extLst>
               <a:ext uri="{FF2B5EF4-FFF2-40B4-BE49-F238E27FC236}">
-                <a16:creationId xmlns:a16="http://schemas.microsoft.com/office/drawing/2014/main" id="{D09F851A-B0AC-07F0-3D22-D454F2E51B12}"/>
+                <a16:creationId xmlns:a16="http://schemas.microsoft.com/office/drawing/2014/main" id="{1C369583-EC88-EF05-3258-773CF1B4EAD0}"/>
               </a:ext>
             </a:extLst>
           </p:cNvPr>
@@ -6290,8 +6376,8 @@
         </p:nvSpPr>
         <p:spPr>
           <a:xfrm>
-            <a:off x="117764" y="159471"/>
-            <a:ext cx="10515600" cy="521566"/>
+            <a:off x="218090" y="136525"/>
+            <a:ext cx="10515600" cy="423151"/>
           </a:xfrm>
         </p:spPr>
         <p:txBody>
@@ -6302,7 +6388,7 @@
           <a:p>
             <a:r>
               <a:rPr lang="en-US" dirty="0"/>
-              <a:t>Silhouette score </a:t>
+              <a:t>The Elbow method</a:t>
             </a:r>
           </a:p>
         </p:txBody>
@@ -6312,7 +6398,7 @@
           <p:cNvPr id="3" name="Content Placeholder 2">
             <a:extLst>
               <a:ext uri="{FF2B5EF4-FFF2-40B4-BE49-F238E27FC236}">
-                <a16:creationId xmlns:a16="http://schemas.microsoft.com/office/drawing/2014/main" id="{763D951B-A9B4-7039-1433-312FBC283DCD}"/>
+                <a16:creationId xmlns:a16="http://schemas.microsoft.com/office/drawing/2014/main" id="{5A57EA06-EEB8-F297-67D7-B7EFF9DFF2AD}"/>
               </a:ext>
             </a:extLst>
           </p:cNvPr>
@@ -6328,16 +6414,45 @@
           <a:bodyPr/>
           <a:lstStyle/>
           <a:p>
+            <a:endParaRPr lang="en-US"/>
+          </a:p>
+        </p:txBody>
+      </p:sp>
+      <p:sp>
+        <p:nvSpPr>
+          <p:cNvPr id="4" name="Slide Number Placeholder 3">
+            <a:extLst>
+              <a:ext uri="{FF2B5EF4-FFF2-40B4-BE49-F238E27FC236}">
+                <a16:creationId xmlns:a16="http://schemas.microsoft.com/office/drawing/2014/main" id="{F84D02A1-F468-D755-565B-E052A2F74BC1}"/>
+              </a:ext>
+            </a:extLst>
+          </p:cNvPr>
+          <p:cNvSpPr>
+            <a:spLocks noGrp="1"/>
+          </p:cNvSpPr>
+          <p:nvPr>
+            <p:ph type="sldNum" sz="quarter" idx="12"/>
+          </p:nvPr>
+        </p:nvSpPr>
+        <p:spPr/>
+        <p:txBody>
+          <a:bodyPr/>
+          <a:lstStyle/>
+          <a:p>
+            <a:fld id="{8DA92383-653B-904A-8B81-EEE5ECD52C19}" type="slidenum">
+              <a:rPr lang="en-US" smtClean="0"/>
+              <a:t>9</a:t>
+            </a:fld>
             <a:endParaRPr lang="en-US"/>
           </a:p>
         </p:txBody>
       </p:sp>
       <p:pic>
         <p:nvPicPr>
-          <p:cNvPr id="4" name="Picture 3">
-            <a:extLst>
-              <a:ext uri="{FF2B5EF4-FFF2-40B4-BE49-F238E27FC236}">
-                <a16:creationId xmlns:a16="http://schemas.microsoft.com/office/drawing/2014/main" id="{C7180DEB-D69C-DA2F-6112-57EC6B0CD216}"/>
+          <p:cNvPr id="5" name="Picture 4">
+            <a:extLst>
+              <a:ext uri="{FF2B5EF4-FFF2-40B4-BE49-F238E27FC236}">
+                <a16:creationId xmlns:a16="http://schemas.microsoft.com/office/drawing/2014/main" id="{33634B67-C524-6F76-BF2B-B27D688CE634}"/>
               </a:ext>
             </a:extLst>
           </p:cNvPr>
@@ -6354,8 +6469,8 @@
         </p:blipFill>
         <p:spPr>
           <a:xfrm>
-            <a:off x="1641763" y="1059041"/>
-            <a:ext cx="9511146" cy="5291655"/>
+            <a:off x="249144" y="681037"/>
+            <a:ext cx="5226746" cy="5298592"/>
           </a:xfrm>
           <a:prstGeom prst="rect">
             <a:avLst/>
@@ -6364,37 +6479,114 @@
       </p:pic>
       <p:sp>
         <p:nvSpPr>
-          <p:cNvPr id="5" name="Slide Number Placeholder 4">
-            <a:extLst>
-              <a:ext uri="{FF2B5EF4-FFF2-40B4-BE49-F238E27FC236}">
-                <a16:creationId xmlns:a16="http://schemas.microsoft.com/office/drawing/2014/main" id="{3DF4D52F-D8F3-975A-1547-46A9CA0FFDF9}"/>
-              </a:ext>
-            </a:extLst>
-          </p:cNvPr>
-          <p:cNvSpPr>
-            <a:spLocks noGrp="1"/>
-          </p:cNvSpPr>
-          <p:nvPr>
-            <p:ph type="sldNum" sz="quarter" idx="12"/>
-          </p:nvPr>
-        </p:nvSpPr>
-        <p:spPr/>
-        <p:txBody>
-          <a:bodyPr/>
-          <a:lstStyle/>
-          <a:p>
-            <a:fld id="{8DA92383-653B-904A-8B81-EEE5ECD52C19}" type="slidenum">
-              <a:rPr lang="en-US" smtClean="0"/>
-              <a:t>9</a:t>
-            </a:fld>
-            <a:endParaRPr lang="en-US"/>
+          <p:cNvPr id="6" name="TextBox 5">
+            <a:extLst>
+              <a:ext uri="{FF2B5EF4-FFF2-40B4-BE49-F238E27FC236}">
+                <a16:creationId xmlns:a16="http://schemas.microsoft.com/office/drawing/2014/main" id="{63FEE73E-05D7-2C5D-6264-B4749774CF5D}"/>
+              </a:ext>
+            </a:extLst>
+          </p:cNvPr>
+          <p:cNvSpPr txBox="1"/>
+          <p:nvPr/>
+        </p:nvSpPr>
+        <p:spPr>
+          <a:xfrm>
+            <a:off x="1288473" y="6176963"/>
+            <a:ext cx="808042" cy="369332"/>
+          </a:xfrm>
+          <a:prstGeom prst="rect">
+            <a:avLst/>
+          </a:prstGeom>
+          <a:noFill/>
+        </p:spPr>
+        <p:txBody>
+          <a:bodyPr wrap="none" rtlCol="0">
+            <a:spAutoFit/>
+          </a:bodyPr>
+          <a:lstStyle/>
+          <a:p>
+            <a:r>
+              <a:rPr lang="en-US" dirty="0">
+                <a:hlinkClick r:id="rId3"/>
+              </a:rPr>
+              <a:t>source</a:t>
+            </a:r>
+            <a:endParaRPr lang="en-US" dirty="0"/>
+          </a:p>
+        </p:txBody>
+      </p:sp>
+      <p:pic>
+        <p:nvPicPr>
+          <p:cNvPr id="7" name="Picture 6">
+            <a:extLst>
+              <a:ext uri="{FF2B5EF4-FFF2-40B4-BE49-F238E27FC236}">
+                <a16:creationId xmlns:a16="http://schemas.microsoft.com/office/drawing/2014/main" id="{CB9ECD63-BA0B-DBDD-6096-18B4CBFB235F}"/>
+              </a:ext>
+            </a:extLst>
+          </p:cNvPr>
+          <p:cNvPicPr>
+            <a:picLocks noChangeAspect="1"/>
+          </p:cNvPicPr>
+          <p:nvPr/>
+        </p:nvPicPr>
+        <p:blipFill>
+          <a:blip r:embed="rId4"/>
+          <a:stretch>
+            <a:fillRect/>
+          </a:stretch>
+        </p:blipFill>
+        <p:spPr>
+          <a:xfrm>
+            <a:off x="6064946" y="559676"/>
+            <a:ext cx="5493327" cy="4235925"/>
+          </a:xfrm>
+          <a:prstGeom prst="rect">
+            <a:avLst/>
+          </a:prstGeom>
+        </p:spPr>
+      </p:pic>
+      <p:sp>
+        <p:nvSpPr>
+          <p:cNvPr id="8" name="TextBox 7">
+            <a:extLst>
+              <a:ext uri="{FF2B5EF4-FFF2-40B4-BE49-F238E27FC236}">
+                <a16:creationId xmlns:a16="http://schemas.microsoft.com/office/drawing/2014/main" id="{53BEBCF0-147F-E1F6-56FA-FCB24D3B29DF}"/>
+              </a:ext>
+            </a:extLst>
+          </p:cNvPr>
+          <p:cNvSpPr txBox="1"/>
+          <p:nvPr/>
+        </p:nvSpPr>
+        <p:spPr>
+          <a:xfrm>
+            <a:off x="8811609" y="5209309"/>
+            <a:ext cx="808042" cy="369332"/>
+          </a:xfrm>
+          <a:prstGeom prst="rect">
+            <a:avLst/>
+          </a:prstGeom>
+          <a:noFill/>
+        </p:spPr>
+        <p:txBody>
+          <a:bodyPr wrap="none" rtlCol="0">
+            <a:spAutoFit/>
+          </a:bodyPr>
+          <a:lstStyle/>
+          <a:p>
+            <a:r>
+              <a:rPr lang="en-US" dirty="0">
+                <a:hlinkClick r:id="rId5"/>
+              </a:rPr>
+              <a:t>source</a:t>
+            </a:r>
+            <a:endParaRPr lang="en-US" dirty="0"/>
           </a:p>
         </p:txBody>
       </p:sp>
     </p:spTree>
     <p:extLst>
       <p:ext uri="{BB962C8B-B14F-4D97-AF65-F5344CB8AC3E}">
-        <p14:creationId xmlns:p14="http://schemas.microsoft.com/office/powerpoint/2010/main" val="347589384"/>
+        <p14:creationId xmlns:p14="http://schemas.microsoft.com/office/powerpoint/2010/main" val="3993587703"/>
       </p:ext>
     </p:extLst>
   </p:cSld>
